--- a/slides/pptx/week06.pptx
+++ b/slides/pptx/week06.pptx
@@ -9,6 +9,17 @@
     <p:sldId id="257" r:id="rId3"/>
     <p:sldId id="258" r:id="rId4"/>
     <p:sldId id="259" r:id="rId5"/>
+    <p:sldId id="260" r:id="rId6"/>
+    <p:sldId id="261" r:id="rId7"/>
+    <p:sldId id="262" r:id="rId8"/>
+    <p:sldId id="263" r:id="rId9"/>
+    <p:sldId id="264" r:id="rId10"/>
+    <p:sldId id="265" r:id="rId11"/>
+    <p:sldId id="266" r:id="rId12"/>
+    <p:sldId id="267" r:id="rId13"/>
+    <p:sldId id="268" r:id="rId14"/>
+    <p:sldId id="269" r:id="rId15"/>
+    <p:sldId id="270" r:id="rId16"/>
   </p:sldIdLst>
   <p:sldSz cx="12192000" cy="6858000"/>
   <p:notesSz cx="6858000" cy="9144000"/>
@@ -277,7 +288,7 @@
           <a:p>
             <a:fld id="{241EB5C9-1307-BA42-ABA2-0BC069CD8E7F}" type="datetimeFigureOut">
               <a:rPr lang="en-US" smtClean="0"/>
-              <a:t>1/19/2019</a:t>
+              <a:t>2/19/2019</a:t>
             </a:fld>
             <a:endParaRPr lang="en-US"/>
           </a:p>
@@ -475,7 +486,7 @@
           <a:p>
             <a:fld id="{241EB5C9-1307-BA42-ABA2-0BC069CD8E7F}" type="datetimeFigureOut">
               <a:rPr lang="en-US" smtClean="0"/>
-              <a:t>1/19/2019</a:t>
+              <a:t>2/19/2019</a:t>
             </a:fld>
             <a:endParaRPr lang="en-US"/>
           </a:p>
@@ -683,7 +694,7 @@
           <a:p>
             <a:fld id="{241EB5C9-1307-BA42-ABA2-0BC069CD8E7F}" type="datetimeFigureOut">
               <a:rPr lang="en-US" smtClean="0"/>
-              <a:t>1/19/2019</a:t>
+              <a:t>2/19/2019</a:t>
             </a:fld>
             <a:endParaRPr lang="en-US"/>
           </a:p>
@@ -881,7 +892,7 @@
           <a:p>
             <a:fld id="{241EB5C9-1307-BA42-ABA2-0BC069CD8E7F}" type="datetimeFigureOut">
               <a:rPr lang="en-US" smtClean="0"/>
-              <a:t>1/19/2019</a:t>
+              <a:t>2/19/2019</a:t>
             </a:fld>
             <a:endParaRPr lang="en-US"/>
           </a:p>
@@ -1158,7 +1169,7 @@
           <a:p>
             <a:fld id="{241EB5C9-1307-BA42-ABA2-0BC069CD8E7F}" type="datetimeFigureOut">
               <a:rPr lang="en-US" smtClean="0"/>
-              <a:t>1/19/2019</a:t>
+              <a:t>2/19/2019</a:t>
             </a:fld>
             <a:endParaRPr lang="en-US"/>
           </a:p>
@@ -1423,7 +1434,7 @@
           <a:p>
             <a:fld id="{241EB5C9-1307-BA42-ABA2-0BC069CD8E7F}" type="datetimeFigureOut">
               <a:rPr lang="en-US" smtClean="0"/>
-              <a:t>1/19/2019</a:t>
+              <a:t>2/19/2019</a:t>
             </a:fld>
             <a:endParaRPr lang="en-US"/>
           </a:p>
@@ -1835,7 +1846,7 @@
           <a:p>
             <a:fld id="{241EB5C9-1307-BA42-ABA2-0BC069CD8E7F}" type="datetimeFigureOut">
               <a:rPr lang="en-US" smtClean="0"/>
-              <a:t>1/19/2019</a:t>
+              <a:t>2/19/2019</a:t>
             </a:fld>
             <a:endParaRPr lang="en-US"/>
           </a:p>
@@ -1976,7 +1987,7 @@
           <a:p>
             <a:fld id="{241EB5C9-1307-BA42-ABA2-0BC069CD8E7F}" type="datetimeFigureOut">
               <a:rPr lang="en-US" smtClean="0"/>
-              <a:t>1/19/2019</a:t>
+              <a:t>2/19/2019</a:t>
             </a:fld>
             <a:endParaRPr lang="en-US"/>
           </a:p>
@@ -2089,7 +2100,7 @@
           <a:p>
             <a:fld id="{241EB5C9-1307-BA42-ABA2-0BC069CD8E7F}" type="datetimeFigureOut">
               <a:rPr lang="en-US" smtClean="0"/>
-              <a:t>1/19/2019</a:t>
+              <a:t>2/19/2019</a:t>
             </a:fld>
             <a:endParaRPr lang="en-US"/>
           </a:p>
@@ -2400,7 +2411,7 @@
           <a:p>
             <a:fld id="{241EB5C9-1307-BA42-ABA2-0BC069CD8E7F}" type="datetimeFigureOut">
               <a:rPr lang="en-US" smtClean="0"/>
-              <a:t>1/19/2019</a:t>
+              <a:t>2/19/2019</a:t>
             </a:fld>
             <a:endParaRPr lang="en-US"/>
           </a:p>
@@ -2688,7 +2699,7 @@
           <a:p>
             <a:fld id="{241EB5C9-1307-BA42-ABA2-0BC069CD8E7F}" type="datetimeFigureOut">
               <a:rPr lang="en-US" smtClean="0"/>
-              <a:t>1/19/2019</a:t>
+              <a:t>2/19/2019</a:t>
             </a:fld>
             <a:endParaRPr lang="en-US"/>
           </a:p>
@@ -2854,35 +2865,35 @@
           <a:p>
             <a:pPr lvl="0"/>
             <a:r>
-              <a:rPr lang="en-US"/>
+              <a:rPr lang="en-US" dirty="0"/>
               <a:t>Edit Master text styles</a:t>
             </a:r>
           </a:p>
           <a:p>
             <a:pPr lvl="1"/>
             <a:r>
-              <a:rPr lang="en-US"/>
+              <a:rPr lang="en-US" dirty="0"/>
               <a:t>Second level</a:t>
             </a:r>
           </a:p>
           <a:p>
             <a:pPr lvl="2"/>
             <a:r>
-              <a:rPr lang="en-US"/>
+              <a:rPr lang="en-US" dirty="0"/>
               <a:t>Third level</a:t>
             </a:r>
           </a:p>
           <a:p>
             <a:pPr lvl="3"/>
             <a:r>
-              <a:rPr lang="en-US"/>
+              <a:rPr lang="en-US" dirty="0"/>
               <a:t>Fourth level</a:t>
             </a:r>
           </a:p>
           <a:p>
             <a:pPr lvl="4"/>
             <a:r>
-              <a:rPr lang="en-US"/>
+              <a:rPr lang="en-US" dirty="0"/>
               <a:t>Fifth level</a:t>
             </a:r>
           </a:p>
@@ -2929,7 +2940,7 @@
           <a:p>
             <a:fld id="{241EB5C9-1307-BA42-ABA2-0BC069CD8E7F}" type="datetimeFigureOut">
               <a:rPr lang="en-US" smtClean="0"/>
-              <a:t>1/19/2019</a:t>
+              <a:t>2/19/2019</a:t>
             </a:fld>
             <a:endParaRPr lang="en-US"/>
           </a:p>
@@ -3086,7 +3097,7 @@
           <a:spcPct val="0"/>
         </a:spcBef>
         <a:buNone/>
-        <a:defRPr sz="5600" b="1" kern="1200">
+        <a:defRPr sz="4400" b="1" kern="1200">
           <a:solidFill>
             <a:schemeClr val="tx1"/>
           </a:solidFill>
@@ -3407,7 +3418,7 @@
             </a:pPr>
             <a:r>
               <a:rPr/>
-              <a:t>The</a:t>
+              <a:t>Closest</a:t>
             </a:r>
             <a:r>
               <a:rPr/>
@@ -3415,7 +3426,7 @@
             </a:r>
             <a:r>
               <a:rPr/>
-              <a:t>Title</a:t>
+              <a:t>Hit</a:t>
             </a:r>
             <a:r>
               <a:rPr/>
@@ -3423,7 +3434,7 @@
             </a:r>
             <a:r>
               <a:rPr/>
-              <a:t>of</a:t>
+              <a:t>Shaders</a:t>
             </a:r>
             <a:r>
               <a:rPr/>
@@ -3431,7 +3442,7 @@
             </a:r>
             <a:r>
               <a:rPr/>
-              <a:t>the</a:t>
+              <a:t>&amp;</a:t>
             </a:r>
             <a:r>
               <a:rPr/>
@@ -3439,7 +3450,7 @@
             </a:r>
             <a:r>
               <a:rPr/>
-              <a:t>Presentation</a:t>
+              <a:t>BRDFs</a:t>
             </a:r>
           </a:p>
         </p:txBody>
@@ -3565,6 +3576,3300 @@
             <a:r>
               <a:rPr/>
               <a:t>Fairbanks</a:t>
+            </a:r>
+          </a:p>
+        </p:txBody>
+      </p:sp>
+    </p:spTree>
+  </p:cSld>
+</p:sld>
+</file>
+
+<file path=ppt/slides/slide10.xml><?xml version="1.0" encoding="utf-8"?>
+<p:sld xmlns:a="http://schemas.openxmlformats.org/drawingml/2006/main" xmlns:r="http://schemas.openxmlformats.org/officeDocument/2006/relationships" xmlns:p="http://schemas.openxmlformats.org/presentationml/2006/main">
+  <p:cSld>
+    <p:spTree>
+      <p:nvGrpSpPr>
+        <p:cNvPr id="1" name=""/>
+        <p:cNvGrpSpPr/>
+        <p:nvPr/>
+      </p:nvGrpSpPr>
+      <p:grpSpPr>
+        <a:xfrm>
+          <a:off x="0" y="0"/>
+          <a:ext cx="0" cy="0"/>
+          <a:chOff x="0" y="0"/>
+          <a:chExt cx="0" cy="0"/>
+        </a:xfrm>
+      </p:grpSpPr>
+      <p:sp>
+        <p:nvSpPr>
+          <p:cNvPr id="2" name="Title 1">
+            <a:extLst>
+              <a:ext uri="{FF2B5EF4-FFF2-40B4-BE49-F238E27FC236}">
+                <a16:creationId xmlns:a16="http://schemas.microsoft.com/office/drawing/2014/main" id="{B9171DC7-83DC-4812-B6D6-720FD0903317}"/>
+              </a:ext>
+            </a:extLst>
+          </p:cNvPr>
+          <p:cNvSpPr>
+            <a:spLocks noGrp="1"/>
+          </p:cNvSpPr>
+          <p:nvPr>
+            <p:ph type="title"/>
+          </p:nvPr>
+        </p:nvSpPr>
+        <p:spPr/>
+        <p:txBody>
+          <a:bodyPr/>
+          <a:lstStyle/>
+          <a:p>
+            <a:pPr lvl="0" marL="0" indent="0">
+              <a:buNone/>
+            </a:pPr>
+            <a:r>
+              <a:rPr/>
+              <a:t>Physically</a:t>
+            </a:r>
+            <a:r>
+              <a:rPr/>
+              <a:t> </a:t>
+            </a:r>
+            <a:r>
+              <a:rPr/>
+              <a:t>Based</a:t>
+            </a:r>
+            <a:r>
+              <a:rPr/>
+              <a:t> </a:t>
+            </a:r>
+            <a:r>
+              <a:rPr/>
+              <a:t>BRDFs</a:t>
+            </a:r>
+          </a:p>
+        </p:txBody>
+      </p:sp>
+      <mc:AlternateContent xmlns:mc="http://schemas.openxmlformats.org/markup-compatibility/2006">
+        <mc:Choice xmlns:a14="http://schemas.microsoft.com/office/drawing/2010/main" Requires="a14">
+          <p:sp>
+            <p:nvSpPr>
+              <p:cNvPr id="3" name="Content Placeholder 2">
+                <a:extLst>
+                  <a:ext uri="{FF2B5EF4-FFF2-40B4-BE49-F238E27FC236}">
+                    <a16:creationId xmlns:a16="http://schemas.microsoft.com/office/drawing/2014/main" id="{E3951675-2757-4186-87D6-120677EA8D01}"/>
+                  </a:ext>
+                </a:extLst>
+              </p:cNvPr>
+              <p:cNvSpPr>
+                <a:spLocks noGrp="1"/>
+              </p:cNvSpPr>
+              <p:nvPr>
+                <p:ph idx="1"/>
+              </p:nvPr>
+            </p:nvSpPr>
+            <p:spPr/>
+            <p:txBody>
+              <a:bodyPr/>
+              <a:lstStyle/>
+              <a:p>
+                <a:pPr lvl="1"/>
+                <a:r>
+                  <a:rPr/>
+                  <a:t>Conservation of Energy</a:t>
+                </a:r>
+              </a:p>
+              <a:p>
+                <a:pPr lvl="0" marL="0" indent="0">
+                  <a:buNone/>
+                </a:pPr>
+                <a14:m>
+                  <m:oMathPara xmlns:m="http://schemas.openxmlformats.org/officeDocument/2006/math">
+                    <m:oMathParaPr>
+                      <m:jc m:val="center"/>
+                    </m:oMathParaPr>
+                    <m:oMath>
+                      <m:nary>
+                        <m:naryPr>
+                          <m:chr m:val="∫"/>
+                          <m:limLoc m:val="subSup"/>
+                          <m:subHide m:val="0"/>
+                          <m:supHide m:val="1"/>
+                        </m:naryPr>
+                        <m:sub>
+                          <m:r>
+                            <m:t>Ω</m:t>
+                          </m:r>
+                        </m:sub>
+                        <m:sup>
+                          <m:r>
+                            <m:t>​</m:t>
+                          </m:r>
+                        </m:sup>
+                        <m:e>
+                          <m:sSub>
+                            <m:e>
+                              <m:r>
+                                <m:t>f</m:t>
+                              </m:r>
+                            </m:e>
+                            <m:sub>
+                              <m:r>
+                                <m:t>r</m:t>
+                              </m:r>
+                            </m:sub>
+                          </m:sSub>
+                        </m:e>
+                      </m:nary>
+                      <m:r>
+                        <m:t>(</m:t>
+                      </m:r>
+                      <m:sSub>
+                        <m:e>
+                          <m:r>
+                            <m:t>ω</m:t>
+                          </m:r>
+                        </m:e>
+                        <m:sub>
+                          <m:r>
+                            <m:t>i</m:t>
+                          </m:r>
+                        </m:sub>
+                      </m:sSub>
+                      <m:r>
+                        <m:t>,</m:t>
+                      </m:r>
+                      <m:r>
+                        <m:t>ω</m:t>
+                      </m:r>
+                      <m:r>
+                        <m:t>)</m:t>
+                      </m:r>
+                      <m:r>
+                        <m:t> </m:t>
+                      </m:r>
+                      <m:r>
+                        <m:t>d</m:t>
+                      </m:r>
+                      <m:sSub>
+                        <m:e>
+                          <m:r>
+                            <m:t>ω</m:t>
+                          </m:r>
+                        </m:e>
+                        <m:sub>
+                          <m:r>
+                            <m:t>i</m:t>
+                          </m:r>
+                        </m:sub>
+                      </m:sSub>
+                      <m:r>
+                        <m:t>≤</m:t>
+                      </m:r>
+                      <m:r>
+                        <m:t>1</m:t>
+                      </m:r>
+                    </m:oMath>
+                  </m:oMathPara>
+                </a14:m>
+              </a:p>
+              <a:p>
+                <a:pPr lvl="1"/>
+                <a:r>
+                  <a:rPr/>
+                  <a:t>Helmholtz Reciprocity</a:t>
+                </a:r>
+              </a:p>
+              <a:p>
+                <a:pPr lvl="0" marL="0" indent="0">
+                  <a:buNone/>
+                </a:pPr>
+                <a14:m>
+                  <m:oMathPara xmlns:m="http://schemas.openxmlformats.org/officeDocument/2006/math">
+                    <m:oMathParaPr>
+                      <m:jc m:val="center"/>
+                    </m:oMathParaPr>
+                    <m:oMath>
+                      <m:sSub>
+                        <m:e>
+                          <m:r>
+                            <m:t>f</m:t>
+                          </m:r>
+                        </m:e>
+                        <m:sub>
+                          <m:r>
+                            <m:t>r</m:t>
+                          </m:r>
+                        </m:sub>
+                      </m:sSub>
+                      <m:r>
+                        <m:t>(</m:t>
+                      </m:r>
+                      <m:sSub>
+                        <m:e>
+                          <m:r>
+                            <m:t>ω</m:t>
+                          </m:r>
+                        </m:e>
+                        <m:sub>
+                          <m:r>
+                            <m:t>i</m:t>
+                          </m:r>
+                        </m:sub>
+                      </m:sSub>
+                      <m:r>
+                        <m:t>,</m:t>
+                      </m:r>
+                      <m:sSub>
+                        <m:e>
+                          <m:r>
+                            <m:t>ω</m:t>
+                          </m:r>
+                        </m:e>
+                        <m:sub>
+                          <m:r>
+                            <m:t>o</m:t>
+                          </m:r>
+                        </m:sub>
+                      </m:sSub>
+                      <m:r>
+                        <m:t>)</m:t>
+                      </m:r>
+                      <m:r>
+                        <m:t>=</m:t>
+                      </m:r>
+                      <m:sSub>
+                        <m:e>
+                          <m:r>
+                            <m:t>f</m:t>
+                          </m:r>
+                        </m:e>
+                        <m:sub>
+                          <m:r>
+                            <m:t>r</m:t>
+                          </m:r>
+                        </m:sub>
+                      </m:sSub>
+                      <m:r>
+                        <m:t>(</m:t>
+                      </m:r>
+                      <m:sSub>
+                        <m:e>
+                          <m:r>
+                            <m:t>ω</m:t>
+                          </m:r>
+                        </m:e>
+                        <m:sub>
+                          <m:r>
+                            <m:t>o</m:t>
+                          </m:r>
+                        </m:sub>
+                      </m:sSub>
+                      <m:r>
+                        <m:t>,</m:t>
+                      </m:r>
+                      <m:sSub>
+                        <m:e>
+                          <m:r>
+                            <m:t>ω</m:t>
+                          </m:r>
+                        </m:e>
+                        <m:sub>
+                          <m:r>
+                            <m:t>i</m:t>
+                          </m:r>
+                        </m:sub>
+                      </m:sSub>
+                      <m:r>
+                        <m:t>)</m:t>
+                      </m:r>
+                    </m:oMath>
+                  </m:oMathPara>
+                </a14:m>
+              </a:p>
+              <a:p>
+                <a:pPr lvl="1"/>
+                <a:r>
+                  <a:rPr/>
+                  <a:t>Positivity</a:t>
+                </a:r>
+              </a:p>
+              <a:p>
+                <a:pPr lvl="0" marL="0" indent="0">
+                  <a:buNone/>
+                </a:pPr>
+                <a14:m>
+                  <m:oMathPara xmlns:m="http://schemas.openxmlformats.org/officeDocument/2006/math">
+                    <m:oMathParaPr>
+                      <m:jc m:val="center"/>
+                    </m:oMathParaPr>
+                    <m:oMath>
+                      <m:sSub>
+                        <m:e>
+                          <m:r>
+                            <m:t>f</m:t>
+                          </m:r>
+                        </m:e>
+                        <m:sub>
+                          <m:r>
+                            <m:t>r</m:t>
+                          </m:r>
+                        </m:sub>
+                      </m:sSub>
+                      <m:r>
+                        <m:t>(</m:t>
+                      </m:r>
+                      <m:sSub>
+                        <m:e>
+                          <m:r>
+                            <m:t>ω</m:t>
+                          </m:r>
+                        </m:e>
+                        <m:sub>
+                          <m:r>
+                            <m:t>i</m:t>
+                          </m:r>
+                        </m:sub>
+                      </m:sSub>
+                      <m:r>
+                        <m:t>,</m:t>
+                      </m:r>
+                      <m:sSub>
+                        <m:e>
+                          <m:r>
+                            <m:t>ω</m:t>
+                          </m:r>
+                        </m:e>
+                        <m:sub>
+                          <m:r>
+                            <m:t>o</m:t>
+                          </m:r>
+                        </m:sub>
+                      </m:sSub>
+                      <m:r>
+                        <m:t>)</m:t>
+                      </m:r>
+                      <m:r>
+                        <m:t>≥</m:t>
+                      </m:r>
+                      <m:r>
+                        <m:t>0</m:t>
+                      </m:r>
+                    </m:oMath>
+                  </m:oMathPara>
+                </a14:m>
+              </a:p>
+              <a:p>
+                <a:pPr lvl="1"/>
+                <a:r>
+                  <a:rPr/>
+                  <a:t>Conservation of visible projected area</a:t>
+                </a:r>
+              </a:p>
+              <a:p>
+                <a:pPr lvl="0" marL="0" indent="0">
+                  <a:buNone/>
+                </a:pPr>
+                <a14:m>
+                  <m:oMathPara xmlns:m="http://schemas.openxmlformats.org/officeDocument/2006/math">
+                    <m:oMathParaPr>
+                      <m:jc m:val="center"/>
+                    </m:oMathParaPr>
+                    <m:oMath>
+                      <m:r>
+                        <m:rPr>
+                          <m:sty m:val="p"/>
+                        </m:rPr>
+                        <m:t>cos</m:t>
+                      </m:r>
+                      <m:sSub>
+                        <m:e>
+                          <m:r>
+                            <m:t>θ</m:t>
+                          </m:r>
+                        </m:e>
+                        <m:sub>
+                          <m:r>
+                            <m:t>o</m:t>
+                          </m:r>
+                        </m:sub>
+                      </m:sSub>
+                      <m:r>
+                        <m:t>=</m:t>
+                      </m:r>
+                      <m:nary>
+                        <m:naryPr>
+                          <m:chr m:val="∫"/>
+                          <m:limLoc m:val="subSup"/>
+                          <m:subHide m:val="0"/>
+                          <m:supHide m:val="1"/>
+                        </m:naryPr>
+                        <m:sub>
+                          <m:r>
+                            <m:t>Ω</m:t>
+                          </m:r>
+                        </m:sub>
+                        <m:sup>
+                          <m:r>
+                            <m:t>​</m:t>
+                          </m:r>
+                        </m:sup>
+                        <m:e>
+                          <m:sSub>
+                            <m:e>
+                              <m:r>
+                                <m:t>G</m:t>
+                              </m:r>
+                            </m:e>
+                            <m:sub>
+                              <m:r>
+                                <m:t>1</m:t>
+                              </m:r>
+                            </m:sub>
+                          </m:sSub>
+                        </m:e>
+                      </m:nary>
+                      <m:r>
+                        <m:t>(</m:t>
+                      </m:r>
+                      <m:sSub>
+                        <m:e>
+                          <m:r>
+                            <m:t>ω</m:t>
+                          </m:r>
+                        </m:e>
+                        <m:sub>
+                          <m:r>
+                            <m:t>o</m:t>
+                          </m:r>
+                        </m:sub>
+                      </m:sSub>
+                      <m:r>
+                        <m:t>,</m:t>
+                      </m:r>
+                      <m:r>
+                        <m:t>ω</m:t>
+                      </m:r>
+                      <m:r>
+                        <m:t>)</m:t>
+                      </m:r>
+                      <m:r>
+                        <m:t>⟨</m:t>
+                      </m:r>
+                      <m:sSub>
+                        <m:e>
+                          <m:r>
+                            <m:t>ω</m:t>
+                          </m:r>
+                        </m:e>
+                        <m:sub>
+                          <m:r>
+                            <m:t>o</m:t>
+                          </m:r>
+                        </m:sub>
+                      </m:sSub>
+                      <m:r>
+                        <m:t>,</m:t>
+                      </m:r>
+                      <m:r>
+                        <m:t>ω</m:t>
+                      </m:r>
+                      <m:r>
+                        <m:t>⟩</m:t>
+                      </m:r>
+                      <m:r>
+                        <m:t>D</m:t>
+                      </m:r>
+                      <m:r>
+                        <m:t>(</m:t>
+                      </m:r>
+                      <m:r>
+                        <m:t>ω</m:t>
+                      </m:r>
+                      <m:r>
+                        <m:t>)</m:t>
+                      </m:r>
+                      <m:r>
+                        <m:t>d</m:t>
+                      </m:r>
+                      <m:r>
+                        <m:t>ω</m:t>
+                      </m:r>
+                    </m:oMath>
+                  </m:oMathPara>
+                </a14:m>
+              </a:p>
+            </p:txBody>
+          </p:sp>
+        </mc:Choice>
+      </mc:AlternateContent>
+    </p:spTree>
+  </p:cSld>
+</p:sld>
+</file>
+
+<file path=ppt/slides/slide11.xml><?xml version="1.0" encoding="utf-8"?>
+<p:sld xmlns:a="http://schemas.openxmlformats.org/drawingml/2006/main" xmlns:r="http://schemas.openxmlformats.org/officeDocument/2006/relationships" xmlns:p="http://schemas.openxmlformats.org/presentationml/2006/main">
+  <p:cSld>
+    <p:spTree>
+      <p:nvGrpSpPr>
+        <p:cNvPr id="1" name=""/>
+        <p:cNvGrpSpPr/>
+        <p:nvPr/>
+      </p:nvGrpSpPr>
+      <p:grpSpPr>
+        <a:xfrm>
+          <a:off x="0" y="0"/>
+          <a:ext cx="0" cy="0"/>
+          <a:chOff x="0" y="0"/>
+          <a:chExt cx="0" cy="0"/>
+        </a:xfrm>
+      </p:grpSpPr>
+      <p:sp>
+        <p:nvSpPr>
+          <p:cNvPr id="2" name="Title 1">
+            <a:extLst>
+              <a:ext uri="{FF2B5EF4-FFF2-40B4-BE49-F238E27FC236}">
+                <a16:creationId xmlns:a16="http://schemas.microsoft.com/office/drawing/2014/main" id="{B9171DC7-83DC-4812-B6D6-720FD0903317}"/>
+              </a:ext>
+            </a:extLst>
+          </p:cNvPr>
+          <p:cNvSpPr>
+            <a:spLocks noGrp="1"/>
+          </p:cNvSpPr>
+          <p:nvPr>
+            <p:ph type="title"/>
+          </p:nvPr>
+        </p:nvSpPr>
+        <p:spPr/>
+        <p:txBody>
+          <a:bodyPr/>
+          <a:lstStyle/>
+          <a:p>
+            <a:pPr lvl="0" marL="0" indent="0">
+              <a:buNone/>
+            </a:pPr>
+            <a:r>
+              <a:rPr/>
+              <a:t>Diffuse</a:t>
+            </a:r>
+            <a:r>
+              <a:rPr/>
+              <a:t> </a:t>
+            </a:r>
+            <a:r>
+              <a:rPr/>
+              <a:t>BRDFs</a:t>
+            </a:r>
+          </a:p>
+        </p:txBody>
+      </p:sp>
+      <mc:AlternateContent xmlns:mc="http://schemas.openxmlformats.org/markup-compatibility/2006">
+        <mc:Choice xmlns:a14="http://schemas.microsoft.com/office/drawing/2010/main" Requires="a14">
+          <p:sp>
+            <p:nvSpPr>
+              <p:cNvPr id="3" name="Content Placeholder 2">
+                <a:extLst>
+                  <a:ext uri="{FF2B5EF4-FFF2-40B4-BE49-F238E27FC236}">
+                    <a16:creationId xmlns:a16="http://schemas.microsoft.com/office/drawing/2014/main" id="{E3951675-2757-4186-87D6-120677EA8D01}"/>
+                  </a:ext>
+                </a:extLst>
+              </p:cNvPr>
+              <p:cNvSpPr>
+                <a:spLocks noGrp="1"/>
+              </p:cNvSpPr>
+              <p:nvPr>
+                <p:ph idx="1"/>
+              </p:nvPr>
+            </p:nvSpPr>
+            <p:spPr/>
+            <p:txBody>
+              <a:bodyPr/>
+              <a:lstStyle/>
+              <a:p>
+                <a:pPr lvl="1"/>
+                <a:r>
+                  <a:rPr/>
+                  <a:t>Lambertian </a:t>
+                </a:r>
+                <a14:m>
+                  <m:oMath xmlns:m="http://schemas.openxmlformats.org/officeDocument/2006/math">
+                    <m:sSub>
+                      <m:e>
+                        <m:r>
+                          <m:t>f</m:t>
+                        </m:r>
+                      </m:e>
+                      <m:sub>
+                        <m:r>
+                          <m:t>r</m:t>
+                        </m:r>
+                      </m:sub>
+                    </m:sSub>
+                    <m:r>
+                      <m:t>=</m:t>
+                    </m:r>
+                    <m:f>
+                      <m:fPr>
+                        <m:type m:val="bar"/>
+                      </m:fPr>
+                      <m:num>
+                        <m:r>
+                          <m:t>ρ</m:t>
+                        </m:r>
+                      </m:num>
+                      <m:den>
+                        <m:r>
+                          <m:t>π</m:t>
+                        </m:r>
+                      </m:den>
+                    </m:f>
+                  </m:oMath>
+                </a14:m>
+              </a:p>
+              <a:p>
+                <a:pPr lvl="1"/>
+                <a:r>
+                  <a:rPr/>
+                  <a:t>Oren-Nayer</a:t>
+                </a:r>
+              </a:p>
+              <a:p>
+                <a:pPr lvl="0" marL="0" indent="0">
+                  <a:buNone/>
+                </a:pPr>
+                <a14:m>
+                  <m:oMathPara xmlns:m="http://schemas.openxmlformats.org/officeDocument/2006/math">
+                    <m:oMathParaPr>
+                      <m:jc m:val="center"/>
+                    </m:oMathParaPr>
+                    <m:oMath>
+                      <m:m>
+                        <m:mPr>
+                          <m:baseJc m:val="center"/>
+                          <m:plcHide m:val="1"/>
+                          <m:mcs>
+                            <m:mc>
+                              <m:mcPr>
+                                <m:mcJc m:val="right"/>
+                                <m:count m:val="1"/>
+                              </m:mcPr>
+                            </m:mc>
+                            <m:mc>
+                              <m:mcPr>
+                                <m:mcJc m:val="left"/>
+                                <m:count m:val="1"/>
+                              </m:mcPr>
+                            </m:mc>
+                          </m:mcs>
+                        </m:mPr>
+                        <m:mr>
+                          <m:e>
+                            <m:sSub>
+                              <m:e>
+                                <m:r>
+                                  <m:t>f</m:t>
+                                </m:r>
+                              </m:e>
+                              <m:sub>
+                                <m:r>
+                                  <m:t>r</m:t>
+                                </m:r>
+                              </m:sub>
+                            </m:sSub>
+                            <m:r>
+                              <m:t>=</m:t>
+                            </m:r>
+                          </m:e>
+                          <m:e>
+                            <m:f>
+                              <m:fPr>
+                                <m:type m:val="bar"/>
+                              </m:fPr>
+                              <m:num>
+                                <m:r>
+                                  <m:t>ρ</m:t>
+                                </m:r>
+                              </m:num>
+                              <m:den>
+                                <m:r>
+                                  <m:t>π</m:t>
+                                </m:r>
+                              </m:den>
+                            </m:f>
+                            <m:r>
+                              <m:t>(</m:t>
+                            </m:r>
+                            <m:r>
+                              <m:t>A</m:t>
+                            </m:r>
+                            <m:r>
+                              <m:t>+</m:t>
+                            </m:r>
+                            <m:r>
+                              <m:t>(</m:t>
+                            </m:r>
+                            <m:r>
+                              <m:t>B</m:t>
+                            </m:r>
+                            <m:r>
+                              <m:t>⋅</m:t>
+                            </m:r>
+                            <m:r>
+                              <m:rPr>
+                                <m:sty m:val="p"/>
+                              </m:rPr>
+                              <m:t>max</m:t>
+                            </m:r>
+                            <m:d>
+                              <m:dPr>
+                                <m:begChr m:val="["/>
+                                <m:endChr m:val="]"/>
+                                <m:grow/>
+                              </m:dPr>
+                              <m:e>
+                                <m:r>
+                                  <m:t>0</m:t>
+                                </m:r>
+                                <m:r>
+                                  <m:t>,</m:t>
+                                </m:r>
+                                <m:r>
+                                  <m:rPr>
+                                    <m:sty m:val="p"/>
+                                  </m:rPr>
+                                  <m:t>cos</m:t>
+                                </m:r>
+                                <m:r>
+                                  <m:t>(</m:t>
+                                </m:r>
+                                <m:sSub>
+                                  <m:e>
+                                    <m:r>
+                                      <m:t>ϕ</m:t>
+                                    </m:r>
+                                  </m:e>
+                                  <m:sub>
+                                    <m:r>
+                                      <m:t>i</m:t>
+                                    </m:r>
+                                  </m:sub>
+                                </m:sSub>
+                                <m:r>
+                                  <m:t>−</m:t>
+                                </m:r>
+                                <m:sSub>
+                                  <m:e>
+                                    <m:r>
+                                      <m:t>ϕ</m:t>
+                                    </m:r>
+                                  </m:e>
+                                  <m:sub>
+                                    <m:r>
+                                      <m:t>o</m:t>
+                                    </m:r>
+                                  </m:sub>
+                                </m:sSub>
+                                <m:r>
+                                  <m:t>)</m:t>
+                                </m:r>
+                              </m:e>
+                            </m:d>
+                            <m:r>
+                              <m:t>⋅</m:t>
+                            </m:r>
+                            <m:r>
+                              <m:rPr>
+                                <m:sty m:val="p"/>
+                              </m:rPr>
+                              <m:t>sin</m:t>
+                            </m:r>
+                            <m:r>
+                              <m:t>α</m:t>
+                            </m:r>
+                            <m:r>
+                              <m:t>⋅</m:t>
+                            </m:r>
+                            <m:r>
+                              <m:rPr>
+                                <m:sty m:val="p"/>
+                              </m:rPr>
+                              <m:t>tan</m:t>
+                            </m:r>
+                            <m:r>
+                              <m:t>β</m:t>
+                            </m:r>
+                            <m:r>
+                              <m:t>)</m:t>
+                            </m:r>
+                            <m:r>
+                              <m:t>)</m:t>
+                            </m:r>
+                          </m:e>
+                        </m:mr>
+                        <m:mr>
+                          <m:e>
+                            <m:r>
+                              <m:t>A</m:t>
+                            </m:r>
+                            <m:r>
+                              <m:t>=</m:t>
+                            </m:r>
+                          </m:e>
+                          <m:e>
+                            <m:r>
+                              <m:t>1</m:t>
+                            </m:r>
+                            <m:r>
+                              <m:t>−</m:t>
+                            </m:r>
+                            <m:r>
+                              <m:t>0.5</m:t>
+                            </m:r>
+                            <m:f>
+                              <m:fPr>
+                                <m:type m:val="bar"/>
+                              </m:fPr>
+                              <m:num>
+                                <m:sSup>
+                                  <m:e>
+                                    <m:r>
+                                      <m:t>σ</m:t>
+                                    </m:r>
+                                  </m:e>
+                                  <m:sup>
+                                    <m:r>
+                                      <m:t>2</m:t>
+                                    </m:r>
+                                  </m:sup>
+                                </m:sSup>
+                              </m:num>
+                              <m:den>
+                                <m:sSup>
+                                  <m:e>
+                                    <m:r>
+                                      <m:t>σ</m:t>
+                                    </m:r>
+                                  </m:e>
+                                  <m:sup>
+                                    <m:r>
+                                      <m:t>2</m:t>
+                                    </m:r>
+                                  </m:sup>
+                                </m:sSup>
+                                <m:r>
+                                  <m:t>+</m:t>
+                                </m:r>
+                                <m:r>
+                                  <m:t>0.33</m:t>
+                                </m:r>
+                              </m:den>
+                            </m:f>
+                          </m:e>
+                        </m:mr>
+                        <m:mr>
+                          <m:e>
+                            <m:r>
+                              <m:t>B</m:t>
+                            </m:r>
+                            <m:r>
+                              <m:t>=</m:t>
+                            </m:r>
+                          </m:e>
+                          <m:e>
+                            <m:r>
+                              <m:t>0.45</m:t>
+                            </m:r>
+                            <m:f>
+                              <m:fPr>
+                                <m:type m:val="bar"/>
+                              </m:fPr>
+                              <m:num>
+                                <m:sSup>
+                                  <m:e>
+                                    <m:r>
+                                      <m:t>σ</m:t>
+                                    </m:r>
+                                  </m:e>
+                                  <m:sup>
+                                    <m:r>
+                                      <m:t>2</m:t>
+                                    </m:r>
+                                  </m:sup>
+                                </m:sSup>
+                              </m:num>
+                              <m:den>
+                                <m:sSup>
+                                  <m:e>
+                                    <m:r>
+                                      <m:t>σ</m:t>
+                                    </m:r>
+                                  </m:e>
+                                  <m:sup>
+                                    <m:r>
+                                      <m:t>2</m:t>
+                                    </m:r>
+                                  </m:sup>
+                                </m:sSup>
+                                <m:r>
+                                  <m:t>+</m:t>
+                                </m:r>
+                                <m:r>
+                                  <m:t>0.09</m:t>
+                                </m:r>
+                              </m:den>
+                            </m:f>
+                          </m:e>
+                        </m:mr>
+                        <m:mr>
+                          <m:e>
+                            <m:r>
+                              <m:t>α</m:t>
+                            </m:r>
+                            <m:r>
+                              <m:t>=</m:t>
+                            </m:r>
+                          </m:e>
+                          <m:e>
+                            <m:r>
+                              <m:rPr>
+                                <m:sty m:val="p"/>
+                              </m:rPr>
+                              <m:t>max</m:t>
+                            </m:r>
+                            <m:r>
+                              <m:t>(</m:t>
+                            </m:r>
+                            <m:sSub>
+                              <m:e>
+                                <m:r>
+                                  <m:t>θ</m:t>
+                                </m:r>
+                              </m:e>
+                              <m:sub>
+                                <m:r>
+                                  <m:t>i</m:t>
+                                </m:r>
+                              </m:sub>
+                            </m:sSub>
+                            <m:r>
+                              <m:t>,</m:t>
+                            </m:r>
+                            <m:sSub>
+                              <m:e>
+                                <m:r>
+                                  <m:t>θ</m:t>
+                                </m:r>
+                              </m:e>
+                              <m:sub>
+                                <m:r>
+                                  <m:t>o</m:t>
+                                </m:r>
+                              </m:sub>
+                            </m:sSub>
+                            <m:r>
+                              <m:t>)</m:t>
+                            </m:r>
+                          </m:e>
+                        </m:mr>
+                        <m:mr>
+                          <m:e>
+                            <m:r>
+                              <m:t>β</m:t>
+                            </m:r>
+                            <m:r>
+                              <m:t>=</m:t>
+                            </m:r>
+                          </m:e>
+                          <m:e>
+                            <m:r>
+                              <m:rPr>
+                                <m:sty m:val="p"/>
+                              </m:rPr>
+                              <m:t>min</m:t>
+                            </m:r>
+                            <m:r>
+                              <m:t>(</m:t>
+                            </m:r>
+                            <m:sSub>
+                              <m:e>
+                                <m:r>
+                                  <m:t>θ</m:t>
+                                </m:r>
+                              </m:e>
+                              <m:sub>
+                                <m:r>
+                                  <m:t>i</m:t>
+                                </m:r>
+                              </m:sub>
+                            </m:sSub>
+                            <m:r>
+                              <m:t>,</m:t>
+                            </m:r>
+                            <m:sSub>
+                              <m:e>
+                                <m:r>
+                                  <m:t>θ</m:t>
+                                </m:r>
+                              </m:e>
+                              <m:sub>
+                                <m:r>
+                                  <m:t>o</m:t>
+                                </m:r>
+                              </m:sub>
+                            </m:sSub>
+                            <m:r>
+                              <m:t>)</m:t>
+                            </m:r>
+                          </m:e>
+                        </m:mr>
+                      </m:m>
+                    </m:oMath>
+                  </m:oMathPara>
+                </a14:m>
+              </a:p>
+            </p:txBody>
+          </p:sp>
+        </mc:Choice>
+      </mc:AlternateContent>
+    </p:spTree>
+  </p:cSld>
+</p:sld>
+</file>
+
+<file path=ppt/slides/slide12.xml><?xml version="1.0" encoding="utf-8"?>
+<p:sld xmlns:a="http://schemas.openxmlformats.org/drawingml/2006/main" xmlns:r="http://schemas.openxmlformats.org/officeDocument/2006/relationships" xmlns:p="http://schemas.openxmlformats.org/presentationml/2006/main">
+  <p:cSld>
+    <p:spTree>
+      <p:nvGrpSpPr>
+        <p:cNvPr id="1" name=""/>
+        <p:cNvGrpSpPr/>
+        <p:nvPr/>
+      </p:nvGrpSpPr>
+      <p:grpSpPr>
+        <a:xfrm>
+          <a:off x="0" y="0"/>
+          <a:ext cx="0" cy="0"/>
+          <a:chOff x="0" y="0"/>
+          <a:chExt cx="0" cy="0"/>
+        </a:xfrm>
+      </p:grpSpPr>
+      <p:sp>
+        <p:nvSpPr>
+          <p:cNvPr id="2" name="Title 1">
+            <a:extLst>
+              <a:ext uri="{FF2B5EF4-FFF2-40B4-BE49-F238E27FC236}">
+                <a16:creationId xmlns:a16="http://schemas.microsoft.com/office/drawing/2014/main" id="{B9171DC7-83DC-4812-B6D6-720FD0903317}"/>
+              </a:ext>
+            </a:extLst>
+          </p:cNvPr>
+          <p:cNvSpPr>
+            <a:spLocks noGrp="1"/>
+          </p:cNvSpPr>
+          <p:nvPr>
+            <p:ph type="title"/>
+          </p:nvPr>
+        </p:nvSpPr>
+        <p:spPr/>
+        <p:txBody>
+          <a:bodyPr/>
+          <a:lstStyle/>
+          <a:p>
+            <a:pPr lvl="0" marL="0" indent="0">
+              <a:buNone/>
+            </a:pPr>
+            <a:r>
+              <a:rPr/>
+              <a:t>Specular</a:t>
+            </a:r>
+            <a:r>
+              <a:rPr/>
+              <a:t> </a:t>
+            </a:r>
+            <a:r>
+              <a:rPr/>
+              <a:t>BRDFs</a:t>
+            </a:r>
+          </a:p>
+        </p:txBody>
+      </p:sp>
+      <mc:AlternateContent xmlns:mc="http://schemas.openxmlformats.org/markup-compatibility/2006">
+        <mc:Choice xmlns:a14="http://schemas.microsoft.com/office/drawing/2010/main" Requires="a14">
+          <p:sp>
+            <p:nvSpPr>
+              <p:cNvPr id="3" name="Content Placeholder 2">
+                <a:extLst>
+                  <a:ext uri="{FF2B5EF4-FFF2-40B4-BE49-F238E27FC236}">
+                    <a16:creationId xmlns:a16="http://schemas.microsoft.com/office/drawing/2014/main" id="{E3951675-2757-4186-87D6-120677EA8D01}"/>
+                  </a:ext>
+                </a:extLst>
+              </p:cNvPr>
+              <p:cNvSpPr>
+                <a:spLocks noGrp="1"/>
+              </p:cNvSpPr>
+              <p:nvPr>
+                <p:ph idx="1"/>
+              </p:nvPr>
+            </p:nvSpPr>
+            <p:spPr/>
+            <p:txBody>
+              <a:bodyPr/>
+              <a:lstStyle/>
+              <a:p>
+                <a:pPr lvl="1"/>
+                <a:r>
+                  <a:rPr/>
+                  <a:t>[Cook-Torrance 1981] </a:t>
+                </a:r>
+                <a14:m>
+                  <m:oMath xmlns:m="http://schemas.openxmlformats.org/officeDocument/2006/math">
+                    <m:sSub>
+                      <m:e>
+                        <m:r>
+                          <m:t>f</m:t>
+                        </m:r>
+                      </m:e>
+                      <m:sub>
+                        <m:r>
+                          <m:t>r</m:t>
+                        </m:r>
+                      </m:sub>
+                    </m:sSub>
+                    <m:r>
+                      <m:t>(</m:t>
+                    </m:r>
+                    <m:sSub>
+                      <m:e>
+                        <m:r>
+                          <m:t>ω</m:t>
+                        </m:r>
+                      </m:e>
+                      <m:sub>
+                        <m:r>
+                          <m:t>i</m:t>
+                        </m:r>
+                      </m:sub>
+                    </m:sSub>
+                    <m:r>
+                      <m:t>,</m:t>
+                    </m:r>
+                    <m:sSub>
+                      <m:e>
+                        <m:r>
+                          <m:t>ω</m:t>
+                        </m:r>
+                      </m:e>
+                      <m:sub>
+                        <m:r>
+                          <m:t>o</m:t>
+                        </m:r>
+                      </m:sub>
+                    </m:sSub>
+                    <m:r>
+                      <m:t>)</m:t>
+                    </m:r>
+                    <m:r>
+                      <m:t>=</m:t>
+                    </m:r>
+                    <m:f>
+                      <m:fPr>
+                        <m:type m:val="bar"/>
+                      </m:fPr>
+                      <m:num>
+                        <m:r>
+                          <m:t>D</m:t>
+                        </m:r>
+                        <m:r>
+                          <m:t>(</m:t>
+                        </m:r>
+                        <m:sSub>
+                          <m:e>
+                            <m:r>
+                              <m:t>ω</m:t>
+                            </m:r>
+                          </m:e>
+                          <m:sub>
+                            <m:r>
+                              <m:t>h</m:t>
+                            </m:r>
+                          </m:sub>
+                        </m:sSub>
+                        <m:r>
+                          <m:t>)</m:t>
+                        </m:r>
+                        <m:r>
+                          <m:t> </m:t>
+                        </m:r>
+                        <m:r>
+                          <m:t>F</m:t>
+                        </m:r>
+                        <m:r>
+                          <m:t>(</m:t>
+                        </m:r>
+                        <m:sSub>
+                          <m:e>
+                            <m:r>
+                              <m:t>θ</m:t>
+                            </m:r>
+                          </m:e>
+                          <m:sub>
+                            <m:r>
+                              <m:t>d</m:t>
+                            </m:r>
+                          </m:sub>
+                        </m:sSub>
+                        <m:r>
+                          <m:t>)</m:t>
+                        </m:r>
+                        <m:r>
+                          <m:t> </m:t>
+                        </m:r>
+                        <m:sSub>
+                          <m:e>
+                            <m:r>
+                              <m:t>G</m:t>
+                            </m:r>
+                          </m:e>
+                          <m:sub>
+                            <m:r>
+                              <m:t>2</m:t>
+                            </m:r>
+                          </m:sub>
+                        </m:sSub>
+                        <m:r>
+                          <m:t>(</m:t>
+                        </m:r>
+                        <m:sSub>
+                          <m:e>
+                            <m:r>
+                              <m:t>ω</m:t>
+                            </m:r>
+                          </m:e>
+                          <m:sub>
+                            <m:r>
+                              <m:t>i</m:t>
+                            </m:r>
+                          </m:sub>
+                        </m:sSub>
+                        <m:r>
+                          <m:t>,</m:t>
+                        </m:r>
+                        <m:sSub>
+                          <m:e>
+                            <m:r>
+                              <m:t>ω</m:t>
+                            </m:r>
+                          </m:e>
+                          <m:sub>
+                            <m:r>
+                              <m:t>o</m:t>
+                            </m:r>
+                          </m:sub>
+                        </m:sSub>
+                        <m:r>
+                          <m:t>)</m:t>
+                        </m:r>
+                      </m:num>
+                      <m:den>
+                        <m:r>
+                          <m:t>4</m:t>
+                        </m:r>
+                        <m:r>
+                          <m:rPr>
+                            <m:sty m:val="p"/>
+                          </m:rPr>
+                          <m:t>cos</m:t>
+                        </m:r>
+                        <m:sSub>
+                          <m:e>
+                            <m:r>
+                              <m:t>θ</m:t>
+                            </m:r>
+                          </m:e>
+                          <m:sub>
+                            <m:r>
+                              <m:t>i</m:t>
+                            </m:r>
+                          </m:sub>
+                        </m:sSub>
+                        <m:r>
+                          <m:rPr>
+                            <m:sty m:val="p"/>
+                          </m:rPr>
+                          <m:t>cos</m:t>
+                        </m:r>
+                        <m:sSub>
+                          <m:e>
+                            <m:r>
+                              <m:t>θ</m:t>
+                            </m:r>
+                          </m:e>
+                          <m:sub>
+                            <m:r>
+                              <m:t>o</m:t>
+                            </m:r>
+                          </m:sub>
+                        </m:sSub>
+                      </m:den>
+                    </m:f>
+                  </m:oMath>
+                </a14:m>
+              </a:p>
+              <a:p>
+                <a:pPr lvl="1"/>
+                <a:r>
+                  <a:rPr/>
+                  <a:t>Microfacet Distribution</a:t>
+                </a:r>
+              </a:p>
+              <a:p>
+                <a:pPr lvl="2"/>
+                <a:r>
+                  <a:rPr/>
+                  <a:t>Normalized Blinn-Phong: </a:t>
+                </a:r>
+                <a14:m>
+                  <m:oMath xmlns:m="http://schemas.openxmlformats.org/officeDocument/2006/math">
+                    <m:sSub>
+                      <m:e>
+                        <m:r>
+                          <m:t>D</m:t>
+                        </m:r>
+                      </m:e>
+                      <m:sub>
+                        <m:r>
+                          <m:rPr>
+                            <m:sty m:val="p"/>
+                            <m:scr m:val="sans-serif"/>
+                          </m:rPr>
+                          <m:t>B</m:t>
+                        </m:r>
+                        <m:r>
+                          <m:rPr>
+                            <m:sty m:val="p"/>
+                            <m:scr m:val="sans-serif"/>
+                          </m:rPr>
+                          <m:t>P</m:t>
+                        </m:r>
+                      </m:sub>
+                    </m:sSub>
+                    <m:r>
+                      <m:t>(</m:t>
+                    </m:r>
+                    <m:sSub>
+                      <m:e>
+                        <m:r>
+                          <m:t>ω</m:t>
+                        </m:r>
+                      </m:e>
+                      <m:sub>
+                        <m:r>
+                          <m:t>g</m:t>
+                        </m:r>
+                      </m:sub>
+                    </m:sSub>
+                    <m:r>
+                      <m:t>,</m:t>
+                    </m:r>
+                    <m:sSub>
+                      <m:e>
+                        <m:r>
+                          <m:t>ω</m:t>
+                        </m:r>
+                      </m:e>
+                      <m:sub>
+                        <m:r>
+                          <m:t>h</m:t>
+                        </m:r>
+                      </m:sub>
+                    </m:sSub>
+                    <m:r>
+                      <m:t>)</m:t>
+                    </m:r>
+                    <m:r>
+                      <m:t>=</m:t>
+                    </m:r>
+                    <m:f>
+                      <m:fPr>
+                        <m:type m:val="bar"/>
+                      </m:fPr>
+                      <m:num>
+                        <m:r>
+                          <m:t>1</m:t>
+                        </m:r>
+                      </m:num>
+                      <m:den>
+                        <m:r>
+                          <m:t>π</m:t>
+                        </m:r>
+                        <m:sSup>
+                          <m:e>
+                            <m:r>
+                              <m:t>α</m:t>
+                            </m:r>
+                          </m:e>
+                          <m:sup>
+                            <m:r>
+                              <m:t>2</m:t>
+                            </m:r>
+                          </m:sup>
+                        </m:sSup>
+                      </m:den>
+                    </m:f>
+                    <m:r>
+                      <m:t>(</m:t>
+                    </m:r>
+                    <m:sSub>
+                      <m:e>
+                        <m:r>
+                          <m:t>ω</m:t>
+                        </m:r>
+                      </m:e>
+                      <m:sub>
+                        <m:r>
+                          <m:t>g</m:t>
+                        </m:r>
+                      </m:sub>
+                    </m:sSub>
+                    <m:r>
+                      <m:t>⋅</m:t>
+                    </m:r>
+                    <m:sSub>
+                      <m:e>
+                        <m:r>
+                          <m:t>ω</m:t>
+                        </m:r>
+                      </m:e>
+                      <m:sub>
+                        <m:r>
+                          <m:t>h</m:t>
+                        </m:r>
+                      </m:sub>
+                    </m:sSub>
+                    <m:sSup>
+                      <m:e>
+                        <m:r>
+                          <m:t>)</m:t>
+                        </m:r>
+                      </m:e>
+                      <m:sup>
+                        <m:f>
+                          <m:fPr>
+                            <m:type m:val="lin"/>
+                          </m:fPr>
+                          <m:num>
+                            <m:r>
+                              <m:t>2</m:t>
+                            </m:r>
+                          </m:num>
+                          <m:den>
+                            <m:sSup>
+                              <m:e>
+                                <m:r>
+                                  <m:t>α</m:t>
+                                </m:r>
+                              </m:e>
+                              <m:sup>
+                                <m:r>
+                                  <m:t>2</m:t>
+                                </m:r>
+                              </m:sup>
+                            </m:sSup>
+                            <m:r>
+                              <m:t>+</m:t>
+                            </m:r>
+                            <m:r>
+                              <m:t>ϵ</m:t>
+                            </m:r>
+                          </m:den>
+                        </m:f>
+                        <m:r>
+                          <m:t>−</m:t>
+                        </m:r>
+                        <m:r>
+                          <m:t>(</m:t>
+                        </m:r>
+                        <m:r>
+                          <m:t>2</m:t>
+                        </m:r>
+                        <m:r>
+                          <m:t>+</m:t>
+                        </m:r>
+                        <m:r>
+                          <m:t>ϵ</m:t>
+                        </m:r>
+                        <m:r>
+                          <m:t>)</m:t>
+                        </m:r>
+                      </m:sup>
+                    </m:sSup>
+                  </m:oMath>
+                </a14:m>
+              </a:p>
+              <a:p>
+                <a:pPr lvl="2"/>
+                <a:r>
+                  <a:rPr/>
+                  <a:t>GGX: </a:t>
+                </a:r>
+                <a14:m>
+                  <m:oMath xmlns:m="http://schemas.openxmlformats.org/officeDocument/2006/math">
+                    <m:sSub>
+                      <m:e>
+                        <m:r>
+                          <m:t>D</m:t>
+                        </m:r>
+                      </m:e>
+                      <m:sub>
+                        <m:r>
+                          <m:rPr>
+                            <m:sty m:val="p"/>
+                            <m:scr m:val="sans-serif"/>
+                          </m:rPr>
+                          <m:t>G</m:t>
+                        </m:r>
+                        <m:r>
+                          <m:rPr>
+                            <m:sty m:val="p"/>
+                            <m:scr m:val="sans-serif"/>
+                          </m:rPr>
+                          <m:t>T</m:t>
+                        </m:r>
+                        <m:r>
+                          <m:rPr>
+                            <m:sty m:val="p"/>
+                            <m:scr m:val="sans-serif"/>
+                          </m:rPr>
+                          <m:t>R</m:t>
+                        </m:r>
+                      </m:sub>
+                    </m:sSub>
+                    <m:r>
+                      <m:t>(</m:t>
+                    </m:r>
+                    <m:sSub>
+                      <m:e>
+                        <m:r>
+                          <m:t>ω</m:t>
+                        </m:r>
+                      </m:e>
+                      <m:sub>
+                        <m:r>
+                          <m:t>g</m:t>
+                        </m:r>
+                      </m:sub>
+                    </m:sSub>
+                    <m:r>
+                      <m:t>,</m:t>
+                    </m:r>
+                    <m:sSub>
+                      <m:e>
+                        <m:r>
+                          <m:t>ω</m:t>
+                        </m:r>
+                      </m:e>
+                      <m:sub>
+                        <m:r>
+                          <m:t>h</m:t>
+                        </m:r>
+                      </m:sub>
+                    </m:sSub>
+                    <m:r>
+                      <m:t>)</m:t>
+                    </m:r>
+                    <m:r>
+                      <m:t>=</m:t>
+                    </m:r>
+                    <m:f>
+                      <m:fPr>
+                        <m:type m:val="bar"/>
+                      </m:fPr>
+                      <m:num>
+                        <m:r>
+                          <m:t>1</m:t>
+                        </m:r>
+                      </m:num>
+                      <m:den>
+                        <m:r>
+                          <m:t>π</m:t>
+                        </m:r>
+                      </m:den>
+                    </m:f>
+                    <m:sSup>
+                      <m:e>
+                        <m:d>
+                          <m:dPr>
+                            <m:begChr m:val="("/>
+                            <m:endChr m:val=")"/>
+                            <m:grow/>
+                          </m:dPr>
+                          <m:e>
+                            <m:f>
+                              <m:fPr>
+                                <m:type m:val="bar"/>
+                              </m:fPr>
+                              <m:num>
+                                <m:r>
+                                  <m:t>1</m:t>
+                                </m:r>
+                              </m:num>
+                              <m:den>
+                                <m:r>
+                                  <m:t>(</m:t>
+                                </m:r>
+                                <m:sSup>
+                                  <m:e>
+                                    <m:r>
+                                      <m:t>α</m:t>
+                                    </m:r>
+                                  </m:e>
+                                  <m:sup>
+                                    <m:r>
+                                      <m:t>2</m:t>
+                                    </m:r>
+                                  </m:sup>
+                                </m:sSup>
+                                <m:r>
+                                  <m:t>−</m:t>
+                                </m:r>
+                                <m:r>
+                                  <m:t>1</m:t>
+                                </m:r>
+                                <m:r>
+                                  <m:t>)</m:t>
+                                </m:r>
+                                <m:r>
+                                  <m:t>(</m:t>
+                                </m:r>
+                                <m:sSub>
+                                  <m:e>
+                                    <m:r>
+                                      <m:t>ω</m:t>
+                                    </m:r>
+                                  </m:e>
+                                  <m:sub>
+                                    <m:r>
+                                      <m:t>g</m:t>
+                                    </m:r>
+                                  </m:sub>
+                                </m:sSub>
+                                <m:r>
+                                  <m:t>⋅</m:t>
+                                </m:r>
+                                <m:sSub>
+                                  <m:e>
+                                    <m:r>
+                                      <m:t>ω</m:t>
+                                    </m:r>
+                                  </m:e>
+                                  <m:sub>
+                                    <m:r>
+                                      <m:t>h</m:t>
+                                    </m:r>
+                                  </m:sub>
+                                </m:sSub>
+                                <m:sSup>
+                                  <m:e>
+                                    <m:r>
+                                      <m:t>)</m:t>
+                                    </m:r>
+                                  </m:e>
+                                  <m:sup>
+                                    <m:r>
+                                      <m:t>2</m:t>
+                                    </m:r>
+                                  </m:sup>
+                                </m:sSup>
+                                <m:r>
+                                  <m:t>+</m:t>
+                                </m:r>
+                                <m:r>
+                                  <m:t>1</m:t>
+                                </m:r>
+                              </m:den>
+                            </m:f>
+                          </m:e>
+                        </m:d>
+                      </m:e>
+                      <m:sup>
+                        <m:r>
+                          <m:t>γ</m:t>
+                        </m:r>
+                      </m:sup>
+                    </m:sSup>
+                  </m:oMath>
+                </a14:m>
+              </a:p>
+            </p:txBody>
+          </p:sp>
+        </mc:Choice>
+      </mc:AlternateContent>
+    </p:spTree>
+  </p:cSld>
+</p:sld>
+</file>
+
+<file path=ppt/slides/slide13.xml><?xml version="1.0" encoding="utf-8"?>
+<p:sld xmlns:a="http://schemas.openxmlformats.org/drawingml/2006/main" xmlns:r="http://schemas.openxmlformats.org/officeDocument/2006/relationships" xmlns:p="http://schemas.openxmlformats.org/presentationml/2006/main">
+  <p:cSld>
+    <p:spTree>
+      <p:nvGrpSpPr>
+        <p:cNvPr id="1" name=""/>
+        <p:cNvGrpSpPr/>
+        <p:nvPr/>
+      </p:nvGrpSpPr>
+      <p:grpSpPr>
+        <a:xfrm>
+          <a:off x="0" y="0"/>
+          <a:ext cx="0" cy="0"/>
+          <a:chOff x="0" y="0"/>
+          <a:chExt cx="0" cy="0"/>
+        </a:xfrm>
+      </p:grpSpPr>
+      <p:sp>
+        <p:nvSpPr>
+          <p:cNvPr id="2" name="Title 1">
+            <a:extLst>
+              <a:ext uri="{FF2B5EF4-FFF2-40B4-BE49-F238E27FC236}">
+                <a16:creationId xmlns:a16="http://schemas.microsoft.com/office/drawing/2014/main" id="{B9171DC7-83DC-4812-B6D6-720FD0903317}"/>
+              </a:ext>
+            </a:extLst>
+          </p:cNvPr>
+          <p:cNvSpPr>
+            <a:spLocks noGrp="1"/>
+          </p:cNvSpPr>
+          <p:nvPr>
+            <p:ph type="title"/>
+          </p:nvPr>
+        </p:nvSpPr>
+        <p:spPr/>
+        <p:txBody>
+          <a:bodyPr/>
+          <a:lstStyle/>
+          <a:p>
+            <a:pPr lvl="0" marL="0" indent="0">
+              <a:buNone/>
+            </a:pPr>
+            <a:r>
+              <a:rPr/>
+              <a:t>Masking-Shadowing</a:t>
+            </a:r>
+            <a:r>
+              <a:rPr/>
+              <a:t> </a:t>
+            </a:r>
+            <a:r>
+              <a:rPr/>
+              <a:t>Function</a:t>
+            </a:r>
+          </a:p>
+        </p:txBody>
+      </p:sp>
+      <mc:AlternateContent xmlns:mc="http://schemas.openxmlformats.org/markup-compatibility/2006">
+        <mc:Choice xmlns:a14="http://schemas.microsoft.com/office/drawing/2010/main" Requires="a14">
+          <p:sp>
+            <p:nvSpPr>
+              <p:cNvPr id="3" name="Content Placeholder 2">
+                <a:extLst>
+                  <a:ext uri="{FF2B5EF4-FFF2-40B4-BE49-F238E27FC236}">
+                    <a16:creationId xmlns:a16="http://schemas.microsoft.com/office/drawing/2014/main" id="{E3951675-2757-4186-87D6-120677EA8D01}"/>
+                  </a:ext>
+                </a:extLst>
+              </p:cNvPr>
+              <p:cNvSpPr>
+                <a:spLocks noGrp="1"/>
+              </p:cNvSpPr>
+              <p:nvPr>
+                <p:ph idx="1"/>
+              </p:nvPr>
+            </p:nvSpPr>
+            <p:spPr/>
+            <p:txBody>
+              <a:bodyPr/>
+              <a:lstStyle/>
+              <a:p>
+                <a:pPr lvl="1"/>
+                <a14:m>
+                  <m:oMath xmlns:m="http://schemas.openxmlformats.org/officeDocument/2006/math">
+                    <m:sSub>
+                      <m:e>
+                        <m:r>
+                          <m:t>G</m:t>
+                        </m:r>
+                      </m:e>
+                      <m:sub>
+                        <m:r>
+                          <m:t>2</m:t>
+                        </m:r>
+                      </m:sub>
+                    </m:sSub>
+                    <m:r>
+                      <m:t>(</m:t>
+                    </m:r>
+                    <m:sSub>
+                      <m:e>
+                        <m:r>
+                          <m:t>ω</m:t>
+                        </m:r>
+                      </m:e>
+                      <m:sub>
+                        <m:r>
+                          <m:t>i</m:t>
+                        </m:r>
+                      </m:sub>
+                    </m:sSub>
+                    <m:r>
+                      <m:t>,</m:t>
+                    </m:r>
+                    <m:sSub>
+                      <m:e>
+                        <m:r>
+                          <m:t>ω</m:t>
+                        </m:r>
+                      </m:e>
+                      <m:sub>
+                        <m:r>
+                          <m:t>o</m:t>
+                        </m:r>
+                      </m:sub>
+                    </m:sSub>
+                    <m:r>
+                      <m:t>,</m:t>
+                    </m:r>
+                    <m:sSub>
+                      <m:e>
+                        <m:r>
+                          <m:t>ω</m:t>
+                        </m:r>
+                      </m:e>
+                      <m:sub>
+                        <m:r>
+                          <m:t>g</m:t>
+                        </m:r>
+                      </m:sub>
+                    </m:sSub>
+                    <m:r>
+                      <m:t>)</m:t>
+                    </m:r>
+                    <m:r>
+                      <m:t>=</m:t>
+                    </m:r>
+                    <m:f>
+                      <m:fPr>
+                        <m:type m:val="bar"/>
+                      </m:fPr>
+                      <m:num>
+                        <m:r>
+                          <m:t>1</m:t>
+                        </m:r>
+                      </m:num>
+                      <m:den>
+                        <m:r>
+                          <m:t>1</m:t>
+                        </m:r>
+                        <m:r>
+                          <m:t>+</m:t>
+                        </m:r>
+                        <m:r>
+                          <m:t>Λ</m:t>
+                        </m:r>
+                        <m:r>
+                          <m:t>(</m:t>
+                        </m:r>
+                        <m:sSub>
+                          <m:e>
+                            <m:r>
+                              <m:t>ω</m:t>
+                            </m:r>
+                          </m:e>
+                          <m:sub>
+                            <m:r>
+                              <m:t>i</m:t>
+                            </m:r>
+                          </m:sub>
+                        </m:sSub>
+                        <m:r>
+                          <m:t>)</m:t>
+                        </m:r>
+                        <m:r>
+                          <m:t>+</m:t>
+                        </m:r>
+                        <m:r>
+                          <m:t>Λ</m:t>
+                        </m:r>
+                        <m:r>
+                          <m:t>(</m:t>
+                        </m:r>
+                        <m:sSub>
+                          <m:e>
+                            <m:r>
+                              <m:t>ω</m:t>
+                            </m:r>
+                          </m:e>
+                          <m:sub>
+                            <m:r>
+                              <m:t>o</m:t>
+                            </m:r>
+                          </m:sub>
+                        </m:sSub>
+                        <m:r>
+                          <m:t>)</m:t>
+                        </m:r>
+                      </m:den>
+                    </m:f>
+                  </m:oMath>
+                </a14:m>
+              </a:p>
+              <a:p>
+                <a:pPr lvl="1"/>
+                <a:r>
+                  <a:rPr/>
+                  <a:t>GGX: </a:t>
+                </a:r>
+                <a14:m>
+                  <m:oMath xmlns:m="http://schemas.openxmlformats.org/officeDocument/2006/math">
+                    <m:r>
+                      <m:t>Λ</m:t>
+                    </m:r>
+                    <m:r>
+                      <m:t>(</m:t>
+                    </m:r>
+                    <m:r>
+                      <m:t>ω</m:t>
+                    </m:r>
+                    <m:r>
+                      <m:t>)</m:t>
+                    </m:r>
+                    <m:r>
+                      <m:t>=</m:t>
+                    </m:r>
+                    <m:f>
+                      <m:fPr>
+                        <m:type m:val="bar"/>
+                      </m:fPr>
+                      <m:num>
+                        <m:r>
+                          <m:t>−</m:t>
+                        </m:r>
+                        <m:r>
+                          <m:t>1</m:t>
+                        </m:r>
+                        <m:r>
+                          <m:t>+</m:t>
+                        </m:r>
+                        <m:rad>
+                          <m:radPr>
+                            <m:degHide m:val="1"/>
+                          </m:radPr>
+                          <m:deg/>
+                          <m:e>
+                            <m:r>
+                              <m:t>1</m:t>
+                            </m:r>
+                            <m:r>
+                              <m:t>+</m:t>
+                            </m:r>
+                            <m:f>
+                              <m:fPr>
+                                <m:type m:val="bar"/>
+                              </m:fPr>
+                              <m:num>
+                                <m:r>
+                                  <m:t>(</m:t>
+                                </m:r>
+                                <m:sSub>
+                                  <m:e>
+                                    <m:r>
+                                      <m:t>ω</m:t>
+                                    </m:r>
+                                  </m:e>
+                                  <m:sub>
+                                    <m:r>
+                                      <m:t>g</m:t>
+                                    </m:r>
+                                  </m:sub>
+                                </m:sSub>
+                                <m:r>
+                                  <m:t>⋅</m:t>
+                                </m:r>
+                                <m:r>
+                                  <m:t>ω</m:t>
+                                </m:r>
+                                <m:sSup>
+                                  <m:e>
+                                    <m:r>
+                                      <m:t>)</m:t>
+                                    </m:r>
+                                  </m:e>
+                                  <m:sup>
+                                    <m:r>
+                                      <m:t>2</m:t>
+                                    </m:r>
+                                  </m:sup>
+                                </m:sSup>
+                              </m:num>
+                              <m:den>
+                                <m:sSup>
+                                  <m:e>
+                                    <m:r>
+                                      <m:t>α</m:t>
+                                    </m:r>
+                                  </m:e>
+                                  <m:sup>
+                                    <m:r>
+                                      <m:t>2</m:t>
+                                    </m:r>
+                                  </m:sup>
+                                </m:sSup>
+                                <m:r>
+                                  <m:t>(</m:t>
+                                </m:r>
+                                <m:r>
+                                  <m:t>1</m:t>
+                                </m:r>
+                                <m:r>
+                                  <m:t>−</m:t>
+                                </m:r>
+                                <m:r>
+                                  <m:t>(</m:t>
+                                </m:r>
+                                <m:sSub>
+                                  <m:e>
+                                    <m:r>
+                                      <m:t>ω</m:t>
+                                    </m:r>
+                                  </m:e>
+                                  <m:sub>
+                                    <m:r>
+                                      <m:t>g</m:t>
+                                    </m:r>
+                                  </m:sub>
+                                </m:sSub>
+                                <m:r>
+                                  <m:t>⋅</m:t>
+                                </m:r>
+                                <m:r>
+                                  <m:t>ω</m:t>
+                                </m:r>
+                                <m:sSup>
+                                  <m:e>
+                                    <m:r>
+                                      <m:t>)</m:t>
+                                    </m:r>
+                                  </m:e>
+                                  <m:sup>
+                                    <m:r>
+                                      <m:t>2</m:t>
+                                    </m:r>
+                                  </m:sup>
+                                </m:sSup>
+                                <m:r>
+                                  <m:t>)</m:t>
+                                </m:r>
+                              </m:den>
+                            </m:f>
+                          </m:e>
+                        </m:rad>
+                      </m:num>
+                      <m:den>
+                        <m:r>
+                          <m:t>2</m:t>
+                        </m:r>
+                      </m:den>
+                    </m:f>
+                  </m:oMath>
+                </a14:m>
+              </a:p>
+              <a:p>
+                <a:pPr lvl="1"/>
+                <a:r>
+                  <a:rPr/>
+                  <a:t>Blinn-Phong: </a:t>
+                </a:r>
+                <a14:m>
+                  <m:oMath xmlns:m="http://schemas.openxmlformats.org/officeDocument/2006/math">
+                    <m:sSub>
+                      <m:e>
+                        <m:r>
+                          <m:t>G</m:t>
+                        </m:r>
+                      </m:e>
+                      <m:sub>
+                        <m:r>
+                          <m:t>2</m:t>
+                        </m:r>
+                      </m:sub>
+                    </m:sSub>
+                    <m:r>
+                      <m:t>(</m:t>
+                    </m:r>
+                    <m:sSub>
+                      <m:e>
+                        <m:r>
+                          <m:t>ω</m:t>
+                        </m:r>
+                      </m:e>
+                      <m:sub>
+                        <m:r>
+                          <m:t>i</m:t>
+                        </m:r>
+                      </m:sub>
+                    </m:sSub>
+                    <m:r>
+                      <m:t>,</m:t>
+                    </m:r>
+                    <m:sSub>
+                      <m:e>
+                        <m:r>
+                          <m:t>ω</m:t>
+                        </m:r>
+                      </m:e>
+                      <m:sub>
+                        <m:r>
+                          <m:t>o</m:t>
+                        </m:r>
+                      </m:sub>
+                    </m:sSub>
+                    <m:r>
+                      <m:t>,</m:t>
+                    </m:r>
+                    <m:sSub>
+                      <m:e>
+                        <m:r>
+                          <m:t>ω</m:t>
+                        </m:r>
+                      </m:e>
+                      <m:sub>
+                        <m:r>
+                          <m:t>g</m:t>
+                        </m:r>
+                      </m:sub>
+                    </m:sSub>
+                    <m:r>
+                      <m:t>)</m:t>
+                    </m:r>
+                    <m:r>
+                      <m:t>=</m:t>
+                    </m:r>
+                    <m:r>
+                      <m:rPr>
+                        <m:sty m:val="p"/>
+                      </m:rPr>
+                      <m:t>min</m:t>
+                    </m:r>
+                    <m:d>
+                      <m:dPr>
+                        <m:begChr m:val="{"/>
+                        <m:endChr m:val="}"/>
+                        <m:grow/>
+                      </m:dPr>
+                      <m:e>
+                        <m:r>
+                          <m:t>1</m:t>
+                        </m:r>
+                        <m:r>
+                          <m:t>,</m:t>
+                        </m:r>
+                        <m:f>
+                          <m:fPr>
+                            <m:type m:val="lin"/>
+                          </m:fPr>
+                          <m:num>
+                            <m:r>
+                              <m:t>(</m:t>
+                            </m:r>
+                            <m:sSub>
+                              <m:e>
+                                <m:r>
+                                  <m:t>ω</m:t>
+                                </m:r>
+                              </m:e>
+                              <m:sub>
+                                <m:r>
+                                  <m:t>g</m:t>
+                                </m:r>
+                              </m:sub>
+                            </m:sSub>
+                            <m:r>
+                              <m:t>⋅</m:t>
+                            </m:r>
+                            <m:sSub>
+                              <m:e>
+                                <m:r>
+                                  <m:t>ω</m:t>
+                                </m:r>
+                              </m:e>
+                              <m:sub>
+                                <m:r>
+                                  <m:t>h</m:t>
+                                </m:r>
+                              </m:sub>
+                            </m:sSub>
+                            <m:r>
+                              <m:t>)</m:t>
+                            </m:r>
+                            <m:r>
+                              <m:t>(</m:t>
+                            </m:r>
+                            <m:sSub>
+                              <m:e>
+                                <m:r>
+                                  <m:t>ω</m:t>
+                                </m:r>
+                              </m:e>
+                              <m:sub>
+                                <m:r>
+                                  <m:t>g</m:t>
+                                </m:r>
+                              </m:sub>
+                            </m:sSub>
+                            <m:r>
+                              <m:t>⋅</m:t>
+                            </m:r>
+                            <m:sSub>
+                              <m:e>
+                                <m:r>
+                                  <m:t>ω</m:t>
+                                </m:r>
+                              </m:e>
+                              <m:sub>
+                                <m:r>
+                                  <m:t>o</m:t>
+                                </m:r>
+                              </m:sub>
+                            </m:sSub>
+                            <m:r>
+                              <m:t>)</m:t>
+                            </m:r>
+                          </m:num>
+                          <m:den>
+                            <m:sSub>
+                              <m:e>
+                                <m:r>
+                                  <m:t>ω</m:t>
+                                </m:r>
+                              </m:e>
+                              <m:sub>
+                                <m:r>
+                                  <m:t>o</m:t>
+                                </m:r>
+                              </m:sub>
+                            </m:sSub>
+                            <m:r>
+                              <m:t>⋅</m:t>
+                            </m:r>
+                            <m:sSub>
+                              <m:e>
+                                <m:r>
+                                  <m:t>ω</m:t>
+                                </m:r>
+                              </m:e>
+                              <m:sub>
+                                <m:r>
+                                  <m:t>h</m:t>
+                                </m:r>
+                              </m:sub>
+                            </m:sSub>
+                          </m:den>
+                        </m:f>
+                        <m:r>
+                          <m:t>,</m:t>
+                        </m:r>
+                        <m:f>
+                          <m:fPr>
+                            <m:type m:val="lin"/>
+                          </m:fPr>
+                          <m:num>
+                            <m:r>
+                              <m:t>(</m:t>
+                            </m:r>
+                            <m:sSub>
+                              <m:e>
+                                <m:r>
+                                  <m:t>ω</m:t>
+                                </m:r>
+                              </m:e>
+                              <m:sub>
+                                <m:r>
+                                  <m:t>g</m:t>
+                                </m:r>
+                              </m:sub>
+                            </m:sSub>
+                            <m:r>
+                              <m:t>⋅</m:t>
+                            </m:r>
+                            <m:sSub>
+                              <m:e>
+                                <m:r>
+                                  <m:t>ω</m:t>
+                                </m:r>
+                              </m:e>
+                              <m:sub>
+                                <m:r>
+                                  <m:t>h</m:t>
+                                </m:r>
+                              </m:sub>
+                            </m:sSub>
+                            <m:r>
+                              <m:t>)</m:t>
+                            </m:r>
+                            <m:r>
+                              <m:t>(</m:t>
+                            </m:r>
+                            <m:sSub>
+                              <m:e>
+                                <m:r>
+                                  <m:t>ω</m:t>
+                                </m:r>
+                              </m:e>
+                              <m:sub>
+                                <m:r>
+                                  <m:t>g</m:t>
+                                </m:r>
+                              </m:sub>
+                            </m:sSub>
+                            <m:r>
+                              <m:t>⋅</m:t>
+                            </m:r>
+                            <m:sSub>
+                              <m:e>
+                                <m:r>
+                                  <m:t>ω</m:t>
+                                </m:r>
+                              </m:e>
+                              <m:sub>
+                                <m:r>
+                                  <m:t>i</m:t>
+                                </m:r>
+                              </m:sub>
+                            </m:sSub>
+                            <m:r>
+                              <m:t>)</m:t>
+                            </m:r>
+                          </m:num>
+                          <m:den>
+                            <m:sSub>
+                              <m:e>
+                                <m:r>
+                                  <m:t>ω</m:t>
+                                </m:r>
+                              </m:e>
+                              <m:sub>
+                                <m:r>
+                                  <m:t>o</m:t>
+                                </m:r>
+                              </m:sub>
+                            </m:sSub>
+                            <m:r>
+                              <m:t>⋅</m:t>
+                            </m:r>
+                            <m:sSub>
+                              <m:e>
+                                <m:r>
+                                  <m:t>ω</m:t>
+                                </m:r>
+                              </m:e>
+                              <m:sub>
+                                <m:r>
+                                  <m:t>h</m:t>
+                                </m:r>
+                              </m:sub>
+                            </m:sSub>
+                          </m:den>
+                        </m:f>
+                      </m:e>
+                    </m:d>
+                  </m:oMath>
+                </a14:m>
+              </a:p>
+            </p:txBody>
+          </p:sp>
+        </mc:Choice>
+      </mc:AlternateContent>
+    </p:spTree>
+  </p:cSld>
+</p:sld>
+</file>
+
+<file path=ppt/slides/slide14.xml><?xml version="1.0" encoding="utf-8"?>
+<p:sld xmlns:a="http://schemas.openxmlformats.org/drawingml/2006/main" xmlns:r="http://schemas.openxmlformats.org/officeDocument/2006/relationships" xmlns:p="http://schemas.openxmlformats.org/presentationml/2006/main">
+  <p:cSld>
+    <p:spTree>
+      <p:nvGrpSpPr>
+        <p:cNvPr id="1" name=""/>
+        <p:cNvGrpSpPr/>
+        <p:nvPr/>
+      </p:nvGrpSpPr>
+      <p:grpSpPr>
+        <a:xfrm>
+          <a:off x="0" y="0"/>
+          <a:ext cx="0" cy="0"/>
+          <a:chOff x="0" y="0"/>
+          <a:chExt cx="0" cy="0"/>
+        </a:xfrm>
+      </p:grpSpPr>
+      <p:sp>
+        <p:nvSpPr>
+          <p:cNvPr id="2" name="Title 1">
+            <a:extLst>
+              <a:ext uri="{FF2B5EF4-FFF2-40B4-BE49-F238E27FC236}">
+                <a16:creationId xmlns:a16="http://schemas.microsoft.com/office/drawing/2014/main" id="{B9171DC7-83DC-4812-B6D6-720FD0903317}"/>
+              </a:ext>
+            </a:extLst>
+          </p:cNvPr>
+          <p:cNvSpPr>
+            <a:spLocks noGrp="1"/>
+          </p:cNvSpPr>
+          <p:nvPr>
+            <p:ph type="title"/>
+          </p:nvPr>
+        </p:nvSpPr>
+        <p:spPr/>
+        <p:txBody>
+          <a:bodyPr/>
+          <a:lstStyle/>
+          <a:p>
+            <a:pPr lvl="0" marL="0" indent="0">
+              <a:buNone/>
+            </a:pPr>
+            <a:r>
+              <a:rPr/>
+              <a:t>Fresnel</a:t>
+            </a:r>
+          </a:p>
+        </p:txBody>
+      </p:sp>
+      <mc:AlternateContent xmlns:mc="http://schemas.openxmlformats.org/markup-compatibility/2006">
+        <mc:Choice xmlns:a14="http://schemas.microsoft.com/office/drawing/2010/main" Requires="a14">
+          <p:sp>
+            <p:nvSpPr>
+              <p:cNvPr id="3" name="Content Placeholder 2">
+                <a:extLst>
+                  <a:ext uri="{FF2B5EF4-FFF2-40B4-BE49-F238E27FC236}">
+                    <a16:creationId xmlns:a16="http://schemas.microsoft.com/office/drawing/2014/main" id="{E3951675-2757-4186-87D6-120677EA8D01}"/>
+                  </a:ext>
+                </a:extLst>
+              </p:cNvPr>
+              <p:cNvSpPr>
+                <a:spLocks noGrp="1"/>
+              </p:cNvSpPr>
+              <p:nvPr>
+                <p:ph idx="1"/>
+              </p:nvPr>
+            </p:nvSpPr>
+            <p:spPr/>
+            <p:txBody>
+              <a:bodyPr/>
+              <a:lstStyle/>
+              <a:p>
+                <a:pPr lvl="1"/>
+                <a:r>
+                  <a:rPr/>
+                  <a:t>[Schlick 1995] </a:t>
+                </a:r>
+                <a14:m>
+                  <m:oMath xmlns:m="http://schemas.openxmlformats.org/officeDocument/2006/math">
+                    <m:r>
+                      <m:t>F</m:t>
+                    </m:r>
+                    <m:r>
+                      <m:t>(</m:t>
+                    </m:r>
+                    <m:sSub>
+                      <m:e>
+                        <m:r>
+                          <m:t>θ</m:t>
+                        </m:r>
+                      </m:e>
+                      <m:sub>
+                        <m:r>
+                          <m:t>d</m:t>
+                        </m:r>
+                      </m:sub>
+                    </m:sSub>
+                    <m:r>
+                      <m:t>)</m:t>
+                    </m:r>
+                    <m:r>
+                      <m:t>=</m:t>
+                    </m:r>
+                    <m:sSub>
+                      <m:e>
+                        <m:r>
+                          <m:t>F</m:t>
+                        </m:r>
+                      </m:e>
+                      <m:sub>
+                        <m:r>
+                          <m:t>0</m:t>
+                        </m:r>
+                      </m:sub>
+                    </m:sSub>
+                    <m:r>
+                      <m:t>+</m:t>
+                    </m:r>
+                    <m:r>
+                      <m:t>(</m:t>
+                    </m:r>
+                    <m:r>
+                      <m:t>1</m:t>
+                    </m:r>
+                    <m:r>
+                      <m:t>−</m:t>
+                    </m:r>
+                    <m:sSub>
+                      <m:e>
+                        <m:r>
+                          <m:t>F</m:t>
+                        </m:r>
+                      </m:e>
+                      <m:sub>
+                        <m:r>
+                          <m:t>0</m:t>
+                        </m:r>
+                      </m:sub>
+                    </m:sSub>
+                    <m:r>
+                      <m:t>)</m:t>
+                    </m:r>
+                    <m:r>
+                      <m:t>(</m:t>
+                    </m:r>
+                    <m:r>
+                      <m:t>1</m:t>
+                    </m:r>
+                    <m:r>
+                      <m:t>−</m:t>
+                    </m:r>
+                    <m:sSup>
+                      <m:e>
+                        <m:r>
+                          <m:rPr>
+                            <m:sty m:val="p"/>
+                          </m:rPr>
+                          <m:t>cos</m:t>
+                        </m:r>
+                      </m:e>
+                      <m:sup>
+                        <m:r>
+                          <m:t>5</m:t>
+                        </m:r>
+                      </m:sup>
+                    </m:sSup>
+                    <m:sSub>
+                      <m:e>
+                        <m:r>
+                          <m:t>θ</m:t>
+                        </m:r>
+                      </m:e>
+                      <m:sub>
+                        <m:r>
+                          <m:t>d</m:t>
+                        </m:r>
+                      </m:sub>
+                    </m:sSub>
+                    <m:r>
+                      <m:t>)</m:t>
+                    </m:r>
+                  </m:oMath>
+                </a14:m>
+              </a:p>
+              <a:p>
+                <a:pPr lvl="1"/>
+                <a14:m>
+                  <m:oMath xmlns:m="http://schemas.openxmlformats.org/officeDocument/2006/math">
+                    <m:r>
+                      <m:t>F</m:t>
+                    </m:r>
+                    <m:r>
+                      <m:t>=</m:t>
+                    </m:r>
+                    <m:f>
+                      <m:fPr>
+                        <m:type m:val="bar"/>
+                      </m:fPr>
+                      <m:num>
+                        <m:sSubSup>
+                          <m:e>
+                            <m:r>
+                              <m:t>ρ</m:t>
+                            </m:r>
+                          </m:e>
+                          <m:sub>
+                            <m:r>
+                              <m:t>∥</m:t>
+                            </m:r>
+                          </m:sub>
+                          <m:sup>
+                            <m:r>
+                              <m:t>2</m:t>
+                            </m:r>
+                          </m:sup>
+                        </m:sSubSup>
+                        <m:r>
+                          <m:t>+</m:t>
+                        </m:r>
+                        <m:sSubSup>
+                          <m:e>
+                            <m:r>
+                              <m:t>ρ</m:t>
+                            </m:r>
+                          </m:e>
+                          <m:sub>
+                            <m:r>
+                              <m:t>⊥</m:t>
+                            </m:r>
+                          </m:sub>
+                          <m:sup>
+                            <m:r>
+                              <m:t>2</m:t>
+                            </m:r>
+                          </m:sup>
+                        </m:sSubSup>
+                      </m:num>
+                      <m:den>
+                        <m:r>
+                          <m:t>2</m:t>
+                        </m:r>
+                      </m:den>
+                    </m:f>
+                  </m:oMath>
+                </a14:m>
+              </a:p>
+              <a:p>
+                <a:pPr lvl="1"/>
+                <a14:m>
+                  <m:oMath xmlns:m="http://schemas.openxmlformats.org/officeDocument/2006/math">
+                    <m:sSubSup>
+                      <m:e>
+                        <m:r>
+                          <m:t>ρ</m:t>
+                        </m:r>
+                      </m:e>
+                      <m:sub>
+                        <m:r>
+                          <m:t>∥</m:t>
+                        </m:r>
+                      </m:sub>
+                      <m:sup>
+                        <m:r>
+                          <m:t>2</m:t>
+                        </m:r>
+                      </m:sup>
+                    </m:sSubSup>
+                    <m:r>
+                      <m:t>=</m:t>
+                    </m:r>
+                    <m:f>
+                      <m:fPr>
+                        <m:type m:val="bar"/>
+                      </m:fPr>
+                      <m:num>
+                        <m:r>
+                          <m:t>(</m:t>
+                        </m:r>
+                        <m:sSubSup>
+                          <m:e>
+                            <m:r>
+                              <m:t>η</m:t>
+                            </m:r>
+                          </m:e>
+                          <m:sub>
+                            <m:r>
+                              <m:t>2</m:t>
+                            </m:r>
+                          </m:sub>
+                          <m:sup>
+                            <m:r>
+                              <m:t>2</m:t>
+                            </m:r>
+                          </m:sup>
+                        </m:sSubSup>
+                        <m:r>
+                          <m:t>+</m:t>
+                        </m:r>
+                        <m:sSubSup>
+                          <m:e>
+                            <m:r>
+                              <m:t>κ</m:t>
+                            </m:r>
+                          </m:e>
+                          <m:sub>
+                            <m:r>
+                              <m:t>2</m:t>
+                            </m:r>
+                          </m:sub>
+                          <m:sup>
+                            <m:r>
+                              <m:t>2</m:t>
+                            </m:r>
+                          </m:sup>
+                        </m:sSubSup>
+                        <m:r>
+                          <m:t>)</m:t>
+                        </m:r>
+                        <m:sSup>
+                          <m:e>
+                            <m:r>
+                              <m:rPr>
+                                <m:sty m:val="p"/>
+                              </m:rPr>
+                              <m:t>cos</m:t>
+                            </m:r>
+                          </m:e>
+                          <m:sup>
+                            <m:r>
+                              <m:t>2</m:t>
+                            </m:r>
+                          </m:sup>
+                        </m:sSup>
+                        <m:sSub>
+                          <m:e>
+                            <m:r>
+                              <m:t>θ</m:t>
+                            </m:r>
+                          </m:e>
+                          <m:sub>
+                            <m:r>
+                              <m:t>d</m:t>
+                            </m:r>
+                          </m:sub>
+                        </m:sSub>
+                        <m:r>
+                          <m:t>−</m:t>
+                        </m:r>
+                        <m:r>
+                          <m:t>2</m:t>
+                        </m:r>
+                        <m:sSub>
+                          <m:e>
+                            <m:r>
+                              <m:t>η</m:t>
+                            </m:r>
+                          </m:e>
+                          <m:sub>
+                            <m:r>
+                              <m:t>2</m:t>
+                            </m:r>
+                          </m:sub>
+                        </m:sSub>
+                        <m:r>
+                          <m:rPr>
+                            <m:sty m:val="p"/>
+                          </m:rPr>
+                          <m:t>cos</m:t>
+                        </m:r>
+                        <m:sSub>
+                          <m:e>
+                            <m:r>
+                              <m:t>θ</m:t>
+                            </m:r>
+                          </m:e>
+                          <m:sub>
+                            <m:r>
+                              <m:t>d</m:t>
+                            </m:r>
+                          </m:sub>
+                        </m:sSub>
+                        <m:r>
+                          <m:t>+</m:t>
+                        </m:r>
+                        <m:r>
+                          <m:t>1</m:t>
+                        </m:r>
+                      </m:num>
+                      <m:den>
+                        <m:r>
+                          <m:t>(</m:t>
+                        </m:r>
+                        <m:sSubSup>
+                          <m:e>
+                            <m:r>
+                              <m:t>η</m:t>
+                            </m:r>
+                          </m:e>
+                          <m:sub>
+                            <m:r>
+                              <m:t>2</m:t>
+                            </m:r>
+                          </m:sub>
+                          <m:sup>
+                            <m:r>
+                              <m:t>2</m:t>
+                            </m:r>
+                          </m:sup>
+                        </m:sSubSup>
+                        <m:r>
+                          <m:t>+</m:t>
+                        </m:r>
+                        <m:sSubSup>
+                          <m:e>
+                            <m:r>
+                              <m:t>κ</m:t>
+                            </m:r>
+                          </m:e>
+                          <m:sub>
+                            <m:r>
+                              <m:t>2</m:t>
+                            </m:r>
+                          </m:sub>
+                          <m:sup>
+                            <m:r>
+                              <m:t>2</m:t>
+                            </m:r>
+                          </m:sup>
+                        </m:sSubSup>
+                        <m:r>
+                          <m:t>)</m:t>
+                        </m:r>
+                        <m:sSup>
+                          <m:e>
+                            <m:r>
+                              <m:rPr>
+                                <m:sty m:val="p"/>
+                              </m:rPr>
+                              <m:t>cos</m:t>
+                            </m:r>
+                          </m:e>
+                          <m:sup>
+                            <m:r>
+                              <m:t>2</m:t>
+                            </m:r>
+                          </m:sup>
+                        </m:sSup>
+                        <m:sSub>
+                          <m:e>
+                            <m:r>
+                              <m:t>θ</m:t>
+                            </m:r>
+                          </m:e>
+                          <m:sub>
+                            <m:r>
+                              <m:t>d</m:t>
+                            </m:r>
+                          </m:sub>
+                        </m:sSub>
+                        <m:r>
+                          <m:t>+</m:t>
+                        </m:r>
+                        <m:r>
+                          <m:t>2</m:t>
+                        </m:r>
+                        <m:sSub>
+                          <m:e>
+                            <m:r>
+                              <m:t>η</m:t>
+                            </m:r>
+                          </m:e>
+                          <m:sub>
+                            <m:r>
+                              <m:t>2</m:t>
+                            </m:r>
+                          </m:sub>
+                        </m:sSub>
+                        <m:r>
+                          <m:rPr>
+                            <m:sty m:val="p"/>
+                          </m:rPr>
+                          <m:t>cos</m:t>
+                        </m:r>
+                        <m:sSub>
+                          <m:e>
+                            <m:r>
+                              <m:t>θ</m:t>
+                            </m:r>
+                          </m:e>
+                          <m:sub>
+                            <m:r>
+                              <m:t>d</m:t>
+                            </m:r>
+                          </m:sub>
+                        </m:sSub>
+                        <m:r>
+                          <m:t>+</m:t>
+                        </m:r>
+                        <m:r>
+                          <m:t>1</m:t>
+                        </m:r>
+                      </m:den>
+                    </m:f>
+                  </m:oMath>
+                </a14:m>
+              </a:p>
+              <a:p>
+                <a:pPr lvl="1"/>
+                <a14:m>
+                  <m:oMath xmlns:m="http://schemas.openxmlformats.org/officeDocument/2006/math">
+                    <m:sSubSup>
+                      <m:e>
+                        <m:r>
+                          <m:t>ρ</m:t>
+                        </m:r>
+                      </m:e>
+                      <m:sub>
+                        <m:r>
+                          <m:t>⊥</m:t>
+                        </m:r>
+                      </m:sub>
+                      <m:sup>
+                        <m:r>
+                          <m:t>2</m:t>
+                        </m:r>
+                      </m:sup>
+                    </m:sSubSup>
+                    <m:r>
+                      <m:t>=</m:t>
+                    </m:r>
+                    <m:f>
+                      <m:fPr>
+                        <m:type m:val="bar"/>
+                      </m:fPr>
+                      <m:num>
+                        <m:r>
+                          <m:t>(</m:t>
+                        </m:r>
+                        <m:sSubSup>
+                          <m:e>
+                            <m:r>
+                              <m:t>η</m:t>
+                            </m:r>
+                          </m:e>
+                          <m:sub>
+                            <m:r>
+                              <m:t>2</m:t>
+                            </m:r>
+                          </m:sub>
+                          <m:sup>
+                            <m:r>
+                              <m:t>2</m:t>
+                            </m:r>
+                          </m:sup>
+                        </m:sSubSup>
+                        <m:r>
+                          <m:t>+</m:t>
+                        </m:r>
+                        <m:sSubSup>
+                          <m:e>
+                            <m:r>
+                              <m:t>κ</m:t>
+                            </m:r>
+                          </m:e>
+                          <m:sub>
+                            <m:r>
+                              <m:t>2</m:t>
+                            </m:r>
+                          </m:sub>
+                          <m:sup>
+                            <m:r>
+                              <m:t>2</m:t>
+                            </m:r>
+                          </m:sup>
+                        </m:sSubSup>
+                        <m:r>
+                          <m:t>)</m:t>
+                        </m:r>
+                        <m:r>
+                          <m:t>−</m:t>
+                        </m:r>
+                        <m:r>
+                          <m:t>2</m:t>
+                        </m:r>
+                        <m:sSub>
+                          <m:e>
+                            <m:r>
+                              <m:t>η</m:t>
+                            </m:r>
+                          </m:e>
+                          <m:sub>
+                            <m:r>
+                              <m:t>2</m:t>
+                            </m:r>
+                          </m:sub>
+                        </m:sSub>
+                        <m:r>
+                          <m:rPr>
+                            <m:sty m:val="p"/>
+                          </m:rPr>
+                          <m:t>cos</m:t>
+                        </m:r>
+                        <m:sSub>
+                          <m:e>
+                            <m:r>
+                              <m:t>θ</m:t>
+                            </m:r>
+                          </m:e>
+                          <m:sub>
+                            <m:r>
+                              <m:t>d</m:t>
+                            </m:r>
+                          </m:sub>
+                        </m:sSub>
+                        <m:r>
+                          <m:t>+</m:t>
+                        </m:r>
+                        <m:sSup>
+                          <m:e>
+                            <m:r>
+                              <m:rPr>
+                                <m:sty m:val="p"/>
+                              </m:rPr>
+                              <m:t>cos</m:t>
+                            </m:r>
+                          </m:e>
+                          <m:sup>
+                            <m:r>
+                              <m:t>2</m:t>
+                            </m:r>
+                          </m:sup>
+                        </m:sSup>
+                        <m:sSub>
+                          <m:e>
+                            <m:r>
+                              <m:t>θ</m:t>
+                            </m:r>
+                          </m:e>
+                          <m:sub>
+                            <m:r>
+                              <m:t>d</m:t>
+                            </m:r>
+                          </m:sub>
+                        </m:sSub>
+                      </m:num>
+                      <m:den>
+                        <m:r>
+                          <m:t>(</m:t>
+                        </m:r>
+                        <m:sSubSup>
+                          <m:e>
+                            <m:r>
+                              <m:t>η</m:t>
+                            </m:r>
+                          </m:e>
+                          <m:sub>
+                            <m:r>
+                              <m:t>2</m:t>
+                            </m:r>
+                          </m:sub>
+                          <m:sup>
+                            <m:r>
+                              <m:t>2</m:t>
+                            </m:r>
+                          </m:sup>
+                        </m:sSubSup>
+                        <m:r>
+                          <m:t>+</m:t>
+                        </m:r>
+                        <m:sSubSup>
+                          <m:e>
+                            <m:r>
+                              <m:t>κ</m:t>
+                            </m:r>
+                          </m:e>
+                          <m:sub>
+                            <m:r>
+                              <m:t>2</m:t>
+                            </m:r>
+                          </m:sub>
+                          <m:sup>
+                            <m:r>
+                              <m:t>2</m:t>
+                            </m:r>
+                          </m:sup>
+                        </m:sSubSup>
+                        <m:r>
+                          <m:t>)</m:t>
+                        </m:r>
+                        <m:r>
+                          <m:t>+</m:t>
+                        </m:r>
+                        <m:r>
+                          <m:t>2</m:t>
+                        </m:r>
+                        <m:sSub>
+                          <m:e>
+                            <m:r>
+                              <m:t>η</m:t>
+                            </m:r>
+                          </m:e>
+                          <m:sub>
+                            <m:r>
+                              <m:t>2</m:t>
+                            </m:r>
+                          </m:sub>
+                        </m:sSub>
+                        <m:r>
+                          <m:rPr>
+                            <m:sty m:val="p"/>
+                          </m:rPr>
+                          <m:t>cos</m:t>
+                        </m:r>
+                        <m:sSub>
+                          <m:e>
+                            <m:r>
+                              <m:t>θ</m:t>
+                            </m:r>
+                          </m:e>
+                          <m:sub>
+                            <m:r>
+                              <m:t>d</m:t>
+                            </m:r>
+                          </m:sub>
+                        </m:sSub>
+                        <m:r>
+                          <m:t>+</m:t>
+                        </m:r>
+                        <m:sSup>
+                          <m:e>
+                            <m:r>
+                              <m:rPr>
+                                <m:sty m:val="p"/>
+                              </m:rPr>
+                              <m:t>cos</m:t>
+                            </m:r>
+                          </m:e>
+                          <m:sup>
+                            <m:r>
+                              <m:t>2</m:t>
+                            </m:r>
+                          </m:sup>
+                        </m:sSup>
+                        <m:sSub>
+                          <m:e>
+                            <m:r>
+                              <m:t>θ</m:t>
+                            </m:r>
+                          </m:e>
+                          <m:sub>
+                            <m:r>
+                              <m:t>d</m:t>
+                            </m:r>
+                          </m:sub>
+                        </m:sSub>
+                      </m:den>
+                    </m:f>
+                  </m:oMath>
+                </a14:m>
+              </a:p>
+            </p:txBody>
+          </p:sp>
+        </mc:Choice>
+      </mc:AlternateContent>
+    </p:spTree>
+  </p:cSld>
+</p:sld>
+</file>
+
+<file path=ppt/slides/slide15.xml><?xml version="1.0" encoding="utf-8"?>
+<p:sld xmlns:a="http://schemas.openxmlformats.org/drawingml/2006/main" xmlns:r="http://schemas.openxmlformats.org/officeDocument/2006/relationships" xmlns:p="http://schemas.openxmlformats.org/presentationml/2006/main">
+  <p:cSld>
+    <p:spTree>
+      <p:nvGrpSpPr>
+        <p:cNvPr id="1" name=""/>
+        <p:cNvGrpSpPr/>
+        <p:nvPr/>
+      </p:nvGrpSpPr>
+      <p:grpSpPr>
+        <a:xfrm>
+          <a:off x="0" y="0"/>
+          <a:ext cx="0" cy="0"/>
+          <a:chOff x="0" y="0"/>
+          <a:chExt cx="0" cy="0"/>
+        </a:xfrm>
+      </p:grpSpPr>
+      <p:sp>
+        <p:nvSpPr>
+          <p:cNvPr id="2" name="Title 1">
+            <a:extLst>
+              <a:ext uri="{FF2B5EF4-FFF2-40B4-BE49-F238E27FC236}">
+                <a16:creationId xmlns:a16="http://schemas.microsoft.com/office/drawing/2014/main" id="{B9171DC7-83DC-4812-B6D6-720FD0903317}"/>
+              </a:ext>
+            </a:extLst>
+          </p:cNvPr>
+          <p:cNvSpPr>
+            <a:spLocks noGrp="1"/>
+          </p:cNvSpPr>
+          <p:nvPr>
+            <p:ph type="title"/>
+          </p:nvPr>
+        </p:nvSpPr>
+        <p:spPr/>
+        <p:txBody>
+          <a:bodyPr/>
+          <a:lstStyle/>
+          <a:p>
+            <a:pPr lvl="0" marL="0" indent="0">
+              <a:buNone/>
+            </a:pPr>
+            <a:r>
+              <a:rPr/>
+              <a:t>Hybrid</a:t>
+            </a:r>
+            <a:r>
+              <a:rPr/>
+              <a:t> </a:t>
+            </a:r>
+            <a:r>
+              <a:rPr/>
+              <a:t>Topics</a:t>
+            </a:r>
+            <a:r>
+              <a:rPr/>
+              <a:t> </a:t>
+            </a:r>
+            <a:r>
+              <a:rPr/>
+              <a:t>and</a:t>
+            </a:r>
+            <a:r>
+              <a:rPr/>
+              <a:t> </a:t>
+            </a:r>
+            <a:r>
+              <a:rPr/>
+              <a:t>Activity</a:t>
+            </a:r>
+            <a:r>
+              <a:rPr/>
+              <a:t> </a:t>
+            </a:r>
+            <a:r>
+              <a:rPr/>
+              <a:t>Worksheet</a:t>
+            </a:r>
+          </a:p>
+        </p:txBody>
+      </p:sp>
+      <p:sp>
+        <p:nvSpPr>
+          <p:cNvPr id="3" name="Content Placeholder 2">
+            <a:extLst>
+              <a:ext uri="{FF2B5EF4-FFF2-40B4-BE49-F238E27FC236}">
+                <a16:creationId xmlns:a16="http://schemas.microsoft.com/office/drawing/2014/main" id="{E3951675-2757-4186-87D6-120677EA8D01}"/>
+              </a:ext>
+            </a:extLst>
+          </p:cNvPr>
+          <p:cNvSpPr>
+            <a:spLocks noGrp="1"/>
+          </p:cNvSpPr>
+          <p:nvPr>
+            <p:ph idx="1"/>
+          </p:nvPr>
+        </p:nvSpPr>
+        <p:spPr/>
+        <p:txBody>
+          <a:bodyPr/>
+          <a:lstStyle/>
+          <a:p>
+            <a:pPr lvl="1"/>
+            <a:r>
+              <a:rPr/>
+              <a:t>Global Illumination</a:t>
+            </a:r>
+          </a:p>
+          <a:p>
+            <a:pPr lvl="1"/>
+            <a:r>
+              <a:rPr/>
+              <a:t>Spherical Harmonics</a:t>
             </a:r>
           </a:p>
         </p:txBody>
@@ -3596,7 +6901,7 @@
           <p:cNvPr id="2" name="Title 1">
             <a:extLst>
               <a:ext uri="{FF2B5EF4-FFF2-40B4-BE49-F238E27FC236}">
-                <a16:creationId xmlns:a16="http://schemas.microsoft.com/office/drawing/2014/main" id="{A961E8F3-2071-45E9-B9B2-2CC1494E6117}"/>
+                <a16:creationId xmlns:a16="http://schemas.microsoft.com/office/drawing/2014/main" id="{B9171DC7-83DC-4812-B6D6-720FD0903317}"/>
               </a:ext>
             </a:extLst>
           </p:cNvPr>
@@ -3607,12 +6912,7 @@
             <p:ph type="title"/>
           </p:nvPr>
         </p:nvSpPr>
-        <p:spPr>
-          <a:xfrm>
-            <a:off x="831850" y="1709738"/>
-            <a:ext cx="10515600" cy="2852737"/>
-          </a:xfrm>
-        </p:spPr>
+        <p:spPr/>
         <p:txBody>
           <a:bodyPr/>
           <a:lstStyle/>
@@ -3622,39 +6922,36 @@
             </a:pPr>
             <a:r>
               <a:rPr/>
-              <a:t>The</a:t>
-            </a:r>
-            <a:r>
-              <a:rPr/>
-              <a:t> </a:t>
-            </a:r>
-            <a:r>
-              <a:rPr/>
-              <a:t>Title</a:t>
-            </a:r>
-            <a:r>
-              <a:rPr/>
-              <a:t> </a:t>
-            </a:r>
-            <a:r>
-              <a:rPr/>
-              <a:t>of</a:t>
-            </a:r>
-            <a:r>
-              <a:rPr/>
-              <a:t> </a:t>
-            </a:r>
-            <a:r>
-              <a:rPr/>
-              <a:t>the</a:t>
-            </a:r>
-            <a:r>
-              <a:rPr/>
-              <a:t> </a:t>
-            </a:r>
-            <a:r>
-              <a:rPr/>
-              <a:t>Presentation</a:t>
+              <a:t>Overview</a:t>
+            </a:r>
+          </a:p>
+        </p:txBody>
+      </p:sp>
+      <p:sp>
+        <p:nvSpPr>
+          <p:cNvPr id="3" name="Content Placeholder 2">
+            <a:extLst>
+              <a:ext uri="{FF2B5EF4-FFF2-40B4-BE49-F238E27FC236}">
+                <a16:creationId xmlns:a16="http://schemas.microsoft.com/office/drawing/2014/main" id="{E3951675-2757-4186-87D6-120677EA8D01}"/>
+              </a:ext>
+            </a:extLst>
+          </p:cNvPr>
+          <p:cNvSpPr>
+            <a:spLocks noGrp="1"/>
+          </p:cNvSpPr>
+          <p:nvPr>
+            <p:ph idx="1"/>
+          </p:nvPr>
+        </p:nvSpPr>
+        <p:spPr/>
+        <p:txBody>
+          <a:bodyPr/>
+          <a:lstStyle/>
+          <a:p>
+            <a:pPr lvl="1"/>
+            <a:r>
+              <a:rPr/>
+              <a:t>Review the Ray Tracing Pipeline</a:t>
             </a:r>
           </a:p>
         </p:txBody>
@@ -3707,47 +7004,57 @@
             </a:pPr>
             <a:r>
               <a:rPr/>
-              <a:t>Overview</a:t>
+              <a:t>Ray</a:t>
+            </a:r>
+            <a:r>
+              <a:rPr/>
+              <a:t> </a:t>
+            </a:r>
+            <a:r>
+              <a:rPr/>
+              <a:t>Tracing</a:t>
+            </a:r>
+            <a:r>
+              <a:rPr/>
+              <a:t> </a:t>
+            </a:r>
+            <a:r>
+              <a:rPr/>
+              <a:t>Pipeline</a:t>
             </a:r>
           </a:p>
         </p:txBody>
       </p:sp>
-      <p:sp>
-        <p:nvSpPr>
-          <p:cNvPr id="3" name="Content Placeholder 2">
-            <a:extLst>
-              <a:ext uri="{FF2B5EF4-FFF2-40B4-BE49-F238E27FC236}">
-                <a16:creationId xmlns:a16="http://schemas.microsoft.com/office/drawing/2014/main" id="{E3951675-2757-4186-87D6-120677EA8D01}"/>
-              </a:ext>
-            </a:extLst>
-          </p:cNvPr>
-          <p:cNvSpPr>
-            <a:spLocks noGrp="1"/>
-          </p:cNvSpPr>
-          <p:nvPr>
-            <p:ph idx="1"/>
-          </p:nvPr>
-        </p:nvSpPr>
-        <p:spPr/>
-        <p:txBody>
-          <a:bodyPr/>
-          <a:lstStyle/>
-          <a:p>
-            <a:pPr lvl="1"/>
-            <a:r>
-              <a:rPr/>
-              <a:t>Item 1</a:t>
-            </a:r>
-          </a:p>
-          <a:p>
-            <a:pPr lvl="1"/>
-            <a:r>
-              <a:rPr/>
-              <a:t>Item 2</a:t>
-            </a:r>
-          </a:p>
-        </p:txBody>
-      </p:sp>
+      <p:pic>
+        <p:nvPicPr>
+          <p:cNvPr descr="images/ray-tracing-pipeline.png" id="0" name="Picture 1"/>
+          <p:cNvPicPr>
+            <a:picLocks noGrp="1" noChangeAspect="1"/>
+          </p:cNvPicPr>
+          <p:nvPr/>
+        </p:nvPicPr>
+        <p:blipFill>
+          <a:blip r:embed="rId2"/>
+          <a:stretch>
+            <a:fillRect/>
+          </a:stretch>
+        </p:blipFill>
+        <p:spPr bwMode="auto">
+          <a:xfrm>
+            <a:off x="838200" y="2476500"/>
+            <a:ext cx="10515600" cy="3022600"/>
+          </a:xfrm>
+          <a:prstGeom prst="rect">
+            <a:avLst/>
+          </a:prstGeom>
+          <a:noFill/>
+          <a:ln w="9525">
+            <a:noFill/>
+            <a:headEnd/>
+            <a:tailEnd/>
+          </a:ln>
+        </p:spPr>
+      </p:pic>
     </p:spTree>
   </p:cSld>
 </p:sld>
@@ -3796,7 +7103,7 @@
             </a:pPr>
             <a:r>
               <a:rPr/>
-              <a:t>Hybrid</a:t>
+              <a:t>Closest</a:t>
             </a:r>
             <a:r>
               <a:rPr/>
@@ -3804,7 +7111,7 @@
             </a:r>
             <a:r>
               <a:rPr/>
-              <a:t>Topics</a:t>
+              <a:t>Hit</a:t>
             </a:r>
             <a:r>
               <a:rPr/>
@@ -3812,23 +7119,7 @@
             </a:r>
             <a:r>
               <a:rPr/>
-              <a:t>and</a:t>
-            </a:r>
-            <a:r>
-              <a:rPr/>
-              <a:t> </a:t>
-            </a:r>
-            <a:r>
-              <a:rPr/>
-              <a:t>Activity</a:t>
-            </a:r>
-            <a:r>
-              <a:rPr/>
-              <a:t> </a:t>
-            </a:r>
-            <a:r>
-              <a:rPr/>
-              <a:t>Worksheet</a:t>
+              <a:t>Shaders</a:t>
             </a:r>
           </a:p>
         </p:txBody>
@@ -3857,67 +7148,1497 @@
             <a:pPr lvl="1"/>
             <a:r>
               <a:rPr/>
-              <a:t>Hybrid Topic Name</a:t>
-            </a:r>
-          </a:p>
-          <a:p>
-            <a:pPr lvl="2"/>
-            <a:r>
-              <a:rPr/>
-              <a:t>Topic 1</a:t>
-            </a:r>
-          </a:p>
-          <a:p>
-            <a:pPr lvl="2"/>
-            <a:r>
-              <a:rPr/>
-              <a:t>Topic 2</a:t>
+              <a:t>Reflection</a:t>
             </a:r>
           </a:p>
           <a:p>
             <a:pPr lvl="1"/>
             <a:r>
               <a:rPr/>
-              <a:t>Activity Worksheet</a:t>
-            </a:r>
-          </a:p>
-          <a:p>
-            <a:pPr lvl="2"/>
-            <a:r>
-              <a:rPr/>
-              <a:t>Item 1</a:t>
-            </a:r>
-          </a:p>
-          <a:p>
-            <a:pPr lvl="2"/>
-            <a:r>
-              <a:rPr/>
-              <a:t>Item 2</a:t>
+              <a:t>Refraction</a:t>
             </a:r>
           </a:p>
           <a:p>
             <a:pPr lvl="1"/>
             <a:r>
               <a:rPr/>
-              <a:t>Graduate Activity</a:t>
-            </a:r>
-          </a:p>
-          <a:p>
-            <a:pPr lvl="2"/>
-            <a:r>
-              <a:rPr/>
-              <a:t>Item 1</a:t>
-            </a:r>
-          </a:p>
-          <a:p>
-            <a:pPr lvl="2"/>
-            <a:r>
-              <a:rPr/>
-              <a:t>Item 2</a:t>
+              <a:t>Shadow Rays</a:t>
             </a:r>
           </a:p>
         </p:txBody>
       </p:sp>
+    </p:spTree>
+  </p:cSld>
+</p:sld>
+</file>
+
+<file path=ppt/slides/slide5.xml><?xml version="1.0" encoding="utf-8"?>
+<p:sld xmlns:a="http://schemas.openxmlformats.org/drawingml/2006/main" xmlns:r="http://schemas.openxmlformats.org/officeDocument/2006/relationships" xmlns:p="http://schemas.openxmlformats.org/presentationml/2006/main">
+  <p:cSld>
+    <p:spTree>
+      <p:nvGrpSpPr>
+        <p:cNvPr id="1" name=""/>
+        <p:cNvGrpSpPr/>
+        <p:nvPr/>
+      </p:nvGrpSpPr>
+      <p:grpSpPr>
+        <a:xfrm>
+          <a:off x="0" y="0"/>
+          <a:ext cx="0" cy="0"/>
+          <a:chOff x="0" y="0"/>
+          <a:chExt cx="0" cy="0"/>
+        </a:xfrm>
+      </p:grpSpPr>
+      <p:sp>
+        <p:nvSpPr>
+          <p:cNvPr id="2" name="Title 1">
+            <a:extLst>
+              <a:ext uri="{FF2B5EF4-FFF2-40B4-BE49-F238E27FC236}">
+                <a16:creationId xmlns:a16="http://schemas.microsoft.com/office/drawing/2014/main" id="{B9171DC7-83DC-4812-B6D6-720FD0903317}"/>
+              </a:ext>
+            </a:extLst>
+          </p:cNvPr>
+          <p:cNvSpPr>
+            <a:spLocks noGrp="1"/>
+          </p:cNvSpPr>
+          <p:nvPr>
+            <p:ph type="title"/>
+          </p:nvPr>
+        </p:nvSpPr>
+        <p:spPr/>
+        <p:txBody>
+          <a:bodyPr/>
+          <a:lstStyle/>
+          <a:p>
+            <a:pPr lvl="0" marL="0" indent="0">
+              <a:buNone/>
+            </a:pPr>
+            <a:r>
+              <a:rPr/>
+              <a:t>Bidirectional</a:t>
+            </a:r>
+            <a:r>
+              <a:rPr/>
+              <a:t> </a:t>
+            </a:r>
+            <a:r>
+              <a:rPr/>
+              <a:t>Reflectance</a:t>
+            </a:r>
+            <a:r>
+              <a:rPr/>
+              <a:t> </a:t>
+            </a:r>
+            <a:r>
+              <a:rPr/>
+              <a:t>Distribution</a:t>
+            </a:r>
+            <a:r>
+              <a:rPr/>
+              <a:t> </a:t>
+            </a:r>
+            <a:r>
+              <a:rPr/>
+              <a:t>Functions</a:t>
+            </a:r>
+          </a:p>
+        </p:txBody>
+      </p:sp>
+      <mc:AlternateContent xmlns:mc="http://schemas.openxmlformats.org/markup-compatibility/2006">
+        <mc:Choice xmlns:a14="http://schemas.microsoft.com/office/drawing/2010/main" Requires="a14">
+          <p:sp>
+            <p:nvSpPr>
+              <p:cNvPr id="3" name="Content Placeholder 2">
+                <a:extLst>
+                  <a:ext uri="{FF2B5EF4-FFF2-40B4-BE49-F238E27FC236}">
+                    <a16:creationId xmlns:a16="http://schemas.microsoft.com/office/drawing/2014/main" id="{E3951675-2757-4186-87D6-120677EA8D01}"/>
+                  </a:ext>
+                </a:extLst>
+              </p:cNvPr>
+              <p:cNvSpPr>
+                <a:spLocks noGrp="1"/>
+              </p:cNvSpPr>
+              <p:nvPr>
+                <p:ph idx="1"/>
+              </p:nvPr>
+            </p:nvSpPr>
+            <p:spPr/>
+            <p:txBody>
+              <a:bodyPr/>
+              <a:lstStyle/>
+              <a:p>
+                <a:pPr lvl="1"/>
+                <a:r>
+                  <a:rPr/>
+                  <a:t>Specular</a:t>
+                </a:r>
+              </a:p>
+              <a:p>
+                <a:pPr lvl="2"/>
+                <a:r>
+                  <a:rPr/>
+                  <a:t>Phong</a:t>
+                </a:r>
+              </a:p>
+              <a:p>
+                <a:pPr lvl="2"/>
+                <a:r>
+                  <a:rPr/>
+                  <a:t>Blinn-Phong</a:t>
+                </a:r>
+              </a:p>
+              <a:p>
+                <a:pPr lvl="2"/>
+                <a:r>
+                  <a:rPr/>
+                  <a:t>Cook-Torrance</a:t>
+                </a:r>
+              </a:p>
+              <a:p>
+                <a:pPr lvl="2"/>
+                <a:r>
+                  <a:rPr/>
+                  <a:t>GGX</a:t>
+                </a:r>
+              </a:p>
+              <a:p>
+                <a:pPr lvl="1"/>
+                <a:r>
+                  <a:rPr/>
+                  <a:t>Diffuse</a:t>
+                </a:r>
+              </a:p>
+              <a:p>
+                <a:pPr lvl="2"/>
+                <a:r>
+                  <a:rPr/>
+                  <a:t>Lambert’s cosine law (</a:t>
+                </a:r>
+                <a14:m>
+                  <m:oMath xmlns:m="http://schemas.openxmlformats.org/officeDocument/2006/math">
+                    <m:r>
+                      <m:t>N</m:t>
+                    </m:r>
+                    <m:r>
+                      <m:t>⋅</m:t>
+                    </m:r>
+                    <m:r>
+                      <m:t>L</m:t>
+                    </m:r>
+                  </m:oMath>
+                </a14:m>
+                <a:r>
+                  <a:rPr/>
+                  <a:t>)</a:t>
+                </a:r>
+              </a:p>
+              <a:p>
+                <a:pPr lvl="2"/>
+                <a:r>
+                  <a:rPr/>
+                  <a:t>Oren-Nayer</a:t>
+                </a:r>
+              </a:p>
+              <a:p>
+                <a:pPr lvl="2"/>
+                <a:r>
+                  <a:rPr/>
+                  <a:t>Disney Diffuse BRDF</a:t>
+                </a:r>
+              </a:p>
+            </p:txBody>
+          </p:sp>
+        </mc:Choice>
+      </mc:AlternateContent>
+    </p:spTree>
+  </p:cSld>
+</p:sld>
+</file>
+
+<file path=ppt/slides/slide6.xml><?xml version="1.0" encoding="utf-8"?>
+<p:sld xmlns:a="http://schemas.openxmlformats.org/drawingml/2006/main" xmlns:r="http://schemas.openxmlformats.org/officeDocument/2006/relationships" xmlns:p="http://schemas.openxmlformats.org/presentationml/2006/main">
+  <p:cSld>
+    <p:spTree>
+      <p:nvGrpSpPr>
+        <p:cNvPr id="1" name=""/>
+        <p:cNvGrpSpPr/>
+        <p:nvPr/>
+      </p:nvGrpSpPr>
+      <p:grpSpPr>
+        <a:xfrm>
+          <a:off x="0" y="0"/>
+          <a:ext cx="0" cy="0"/>
+          <a:chOff x="0" y="0"/>
+          <a:chExt cx="0" cy="0"/>
+        </a:xfrm>
+      </p:grpSpPr>
+      <p:sp>
+        <p:nvSpPr>
+          <p:cNvPr id="2" name="Title 1">
+            <a:extLst>
+              <a:ext uri="{FF2B5EF4-FFF2-40B4-BE49-F238E27FC236}">
+                <a16:creationId xmlns:a16="http://schemas.microsoft.com/office/drawing/2014/main" id="{B9171DC7-83DC-4812-B6D6-720FD0903317}"/>
+              </a:ext>
+            </a:extLst>
+          </p:cNvPr>
+          <p:cNvSpPr>
+            <a:spLocks noGrp="1"/>
+          </p:cNvSpPr>
+          <p:nvPr>
+            <p:ph type="title"/>
+          </p:nvPr>
+        </p:nvSpPr>
+        <p:spPr/>
+        <p:txBody>
+          <a:bodyPr/>
+          <a:lstStyle/>
+          <a:p>
+            <a:pPr lvl="0" marL="0" indent="0">
+              <a:buNone/>
+            </a:pPr>
+            <a:r>
+              <a:rPr/>
+              <a:t>Frame</a:t>
+            </a:r>
+            <a:r>
+              <a:rPr/>
+              <a:t> </a:t>
+            </a:r>
+            <a:r>
+              <a:rPr/>
+              <a:t>of</a:t>
+            </a:r>
+            <a:r>
+              <a:rPr/>
+              <a:t> </a:t>
+            </a:r>
+            <a:r>
+              <a:rPr/>
+              <a:t>Reference</a:t>
+            </a:r>
+          </a:p>
+        </p:txBody>
+      </p:sp>
+      <mc:AlternateContent xmlns:mc="http://schemas.openxmlformats.org/markup-compatibility/2006">
+        <mc:Choice xmlns:a14="http://schemas.microsoft.com/office/drawing/2010/main" Requires="a14">
+          <p:sp>
+            <p:nvSpPr>
+              <p:cNvPr id="3" name="Content Placeholder 2">
+                <a:extLst>
+                  <a:ext uri="{FF2B5EF4-FFF2-40B4-BE49-F238E27FC236}">
+                    <a16:creationId xmlns:a16="http://schemas.microsoft.com/office/drawing/2014/main" id="{E3951675-2757-4186-87D6-120677EA8D01}"/>
+                  </a:ext>
+                </a:extLst>
+              </p:cNvPr>
+              <p:cNvSpPr>
+                <a:spLocks noGrp="1"/>
+              </p:cNvSpPr>
+              <p:nvPr>
+                <p:ph idx="1"/>
+              </p:nvPr>
+            </p:nvSpPr>
+            <p:spPr/>
+            <p:txBody>
+              <a:bodyPr/>
+              <a:lstStyle/>
+              <a:p>
+                <a:pPr lvl="1"/>
+                <a:r>
+                  <a:rPr/>
+                  <a:t>Geometric normal: </a:t>
+                </a:r>
+                <a14:m>
+                  <m:oMath xmlns:m="http://schemas.openxmlformats.org/officeDocument/2006/math">
+                    <m:r>
+                      <m:t>N</m:t>
+                    </m:r>
+                  </m:oMath>
+                </a14:m>
+                <a:r>
+                  <a:rPr/>
+                  <a:t> – </a:t>
+                </a:r>
+                <a14:m>
+                  <m:oMath xmlns:m="http://schemas.openxmlformats.org/officeDocument/2006/math">
+                    <m:sSub>
+                      <m:e>
+                        <m:r>
+                          <m:t>ω</m:t>
+                        </m:r>
+                      </m:e>
+                      <m:sub>
+                        <m:r>
+                          <m:t>g</m:t>
+                        </m:r>
+                      </m:sub>
+                    </m:sSub>
+                  </m:oMath>
+                </a14:m>
+              </a:p>
+              <a:p>
+                <a:pPr lvl="1"/>
+                <a:r>
+                  <a:rPr/>
+                  <a:t>View direction: </a:t>
+                </a:r>
+                <a14:m>
+                  <m:oMath xmlns:m="http://schemas.openxmlformats.org/officeDocument/2006/math">
+                    <m:r>
+                      <m:t>V</m:t>
+                    </m:r>
+                  </m:oMath>
+                </a14:m>
+                <a:r>
+                  <a:rPr/>
+                  <a:t> – </a:t>
+                </a:r>
+                <a14:m>
+                  <m:oMath xmlns:m="http://schemas.openxmlformats.org/officeDocument/2006/math">
+                    <m:sSub>
+                      <m:e>
+                        <m:r>
+                          <m:t>ω</m:t>
+                        </m:r>
+                      </m:e>
+                      <m:sub>
+                        <m:r>
+                          <m:t>o</m:t>
+                        </m:r>
+                      </m:sub>
+                    </m:sSub>
+                  </m:oMath>
+                </a14:m>
+              </a:p>
+              <a:p>
+                <a:pPr lvl="1"/>
+                <a:r>
+                  <a:rPr/>
+                  <a:t>Light direction: </a:t>
+                </a:r>
+                <a14:m>
+                  <m:oMath xmlns:m="http://schemas.openxmlformats.org/officeDocument/2006/math">
+                    <m:r>
+                      <m:t>L</m:t>
+                    </m:r>
+                  </m:oMath>
+                </a14:m>
+                <a:r>
+                  <a:rPr/>
+                  <a:t> – </a:t>
+                </a:r>
+                <a14:m>
+                  <m:oMath xmlns:m="http://schemas.openxmlformats.org/officeDocument/2006/math">
+                    <m:sSub>
+                      <m:e>
+                        <m:r>
+                          <m:t>ω</m:t>
+                        </m:r>
+                      </m:e>
+                      <m:sub>
+                        <m:r>
+                          <m:t>i</m:t>
+                        </m:r>
+                      </m:sub>
+                    </m:sSub>
+                  </m:oMath>
+                </a14:m>
+              </a:p>
+              <a:p>
+                <a:pPr lvl="1"/>
+                <a:r>
+                  <a:rPr/>
+                  <a:t>Hemisphere: </a:t>
+                </a:r>
+                <a14:m>
+                  <m:oMath xmlns:m="http://schemas.openxmlformats.org/officeDocument/2006/math">
+                    <m:r>
+                      <m:t>Ω</m:t>
+                    </m:r>
+                  </m:oMath>
+                </a14:m>
+              </a:p>
+              <a:p>
+                <a:pPr lvl="1"/>
+                <a:r>
+                  <a:rPr/>
+                  <a:t>Half-angle vector: </a:t>
+                </a:r>
+                <a14:m>
+                  <m:oMath xmlns:m="http://schemas.openxmlformats.org/officeDocument/2006/math">
+                    <m:r>
+                      <m:t>H</m:t>
+                    </m:r>
+                  </m:oMath>
+                </a14:m>
+                <a:r>
+                  <a:rPr/>
+                  <a:t> – </a:t>
+                </a:r>
+                <a14:m>
+                  <m:oMath xmlns:m="http://schemas.openxmlformats.org/officeDocument/2006/math">
+                    <m:sSub>
+                      <m:e>
+                        <m:r>
+                          <m:t>ω</m:t>
+                        </m:r>
+                      </m:e>
+                      <m:sub>
+                        <m:r>
+                          <m:t>h</m:t>
+                        </m:r>
+                      </m:sub>
+                    </m:sSub>
+                  </m:oMath>
+                </a14:m>
+              </a:p>
+              <a:p>
+                <a:pPr lvl="1"/>
+                <a:r>
+                  <a:rPr/>
+                  <a:t>Reflection vector: </a:t>
+                </a:r>
+                <a14:m>
+                  <m:oMath xmlns:m="http://schemas.openxmlformats.org/officeDocument/2006/math">
+                    <m:r>
+                      <m:t>R</m:t>
+                    </m:r>
+                  </m:oMath>
+                </a14:m>
+                <a:r>
+                  <a:rPr/>
+                  <a:t> – </a:t>
+                </a:r>
+                <a14:m>
+                  <m:oMath xmlns:m="http://schemas.openxmlformats.org/officeDocument/2006/math">
+                    <m:sSub>
+                      <m:e>
+                        <m:r>
+                          <m:t>ω</m:t>
+                        </m:r>
+                      </m:e>
+                      <m:sub>
+                        <m:r>
+                          <m:t>r</m:t>
+                        </m:r>
+                      </m:sub>
+                    </m:sSub>
+                  </m:oMath>
+                </a14:m>
+              </a:p>
+              <a:p>
+                <a:pPr lvl="1"/>
+                <a:r>
+                  <a:rPr/>
+                  <a:t>Refraction vector: </a:t>
+                </a:r>
+                <a14:m>
+                  <m:oMath xmlns:m="http://schemas.openxmlformats.org/officeDocument/2006/math">
+                    <m:r>
+                      <m:t>T</m:t>
+                    </m:r>
+                  </m:oMath>
+                </a14:m>
+                <a:r>
+                  <a:rPr/>
+                  <a:t> – </a:t>
+                </a:r>
+                <a14:m>
+                  <m:oMath xmlns:m="http://schemas.openxmlformats.org/officeDocument/2006/math">
+                    <m:sSub>
+                      <m:e>
+                        <m:r>
+                          <m:t>ω</m:t>
+                        </m:r>
+                      </m:e>
+                      <m:sub>
+                        <m:r>
+                          <m:t>t</m:t>
+                        </m:r>
+                      </m:sub>
+                    </m:sSub>
+                  </m:oMath>
+                </a14:m>
+              </a:p>
+            </p:txBody>
+          </p:sp>
+        </mc:Choice>
+      </mc:AlternateContent>
+    </p:spTree>
+  </p:cSld>
+</p:sld>
+</file>
+
+<file path=ppt/slides/slide7.xml><?xml version="1.0" encoding="utf-8"?>
+<p:sld xmlns:a="http://schemas.openxmlformats.org/drawingml/2006/main" xmlns:r="http://schemas.openxmlformats.org/officeDocument/2006/relationships" xmlns:p="http://schemas.openxmlformats.org/presentationml/2006/main">
+  <p:cSld>
+    <p:spTree>
+      <p:nvGrpSpPr>
+        <p:cNvPr id="1" name=""/>
+        <p:cNvGrpSpPr/>
+        <p:nvPr/>
+      </p:nvGrpSpPr>
+      <p:grpSpPr>
+        <a:xfrm>
+          <a:off x="0" y="0"/>
+          <a:ext cx="0" cy="0"/>
+          <a:chOff x="0" y="0"/>
+          <a:chExt cx="0" cy="0"/>
+        </a:xfrm>
+      </p:grpSpPr>
+      <p:sp>
+        <p:nvSpPr>
+          <p:cNvPr id="2" name="Title 1">
+            <a:extLst>
+              <a:ext uri="{FF2B5EF4-FFF2-40B4-BE49-F238E27FC236}">
+                <a16:creationId xmlns:a16="http://schemas.microsoft.com/office/drawing/2014/main" id="{B9171DC7-83DC-4812-B6D6-720FD0903317}"/>
+              </a:ext>
+            </a:extLst>
+          </p:cNvPr>
+          <p:cNvSpPr>
+            <a:spLocks noGrp="1"/>
+          </p:cNvSpPr>
+          <p:nvPr>
+            <p:ph type="title"/>
+          </p:nvPr>
+        </p:nvSpPr>
+        <p:spPr/>
+        <p:txBody>
+          <a:bodyPr/>
+          <a:lstStyle/>
+          <a:p>
+            <a:pPr lvl="0" marL="0" indent="0">
+              <a:buNone/>
+            </a:pPr>
+            <a:r>
+              <a:rPr/>
+              <a:t>The</a:t>
+            </a:r>
+            <a:r>
+              <a:rPr/>
+              <a:t> </a:t>
+            </a:r>
+            <a:r>
+              <a:rPr/>
+              <a:t>Rendering</a:t>
+            </a:r>
+            <a:r>
+              <a:rPr/>
+              <a:t> </a:t>
+            </a:r>
+            <a:r>
+              <a:rPr/>
+              <a:t>Equation</a:t>
+            </a:r>
+          </a:p>
+        </p:txBody>
+      </p:sp>
+      <mc:AlternateContent xmlns:mc="http://schemas.openxmlformats.org/markup-compatibility/2006">
+        <mc:Choice xmlns:a14="http://schemas.microsoft.com/office/drawing/2010/main" Requires="a14">
+          <p:sp>
+            <p:nvSpPr>
+              <p:cNvPr id="3" name="Content Placeholder 2">
+                <a:extLst>
+                  <a:ext uri="{FF2B5EF4-FFF2-40B4-BE49-F238E27FC236}">
+                    <a16:creationId xmlns:a16="http://schemas.microsoft.com/office/drawing/2014/main" id="{E3951675-2757-4186-87D6-120677EA8D01}"/>
+                  </a:ext>
+                </a:extLst>
+              </p:cNvPr>
+              <p:cNvSpPr>
+                <a:spLocks noGrp="1"/>
+              </p:cNvSpPr>
+              <p:nvPr>
+                <p:ph idx="1"/>
+              </p:nvPr>
+            </p:nvSpPr>
+            <p:spPr/>
+            <p:txBody>
+              <a:bodyPr/>
+              <a:lstStyle/>
+              <a:p>
+                <a:pPr lvl="1"/>
+                <a:r>
+                  <a:rPr/>
+                  <a:t>[Nicodemus 1965] </a:t>
+                </a:r>
+                <a14:m>
+                  <m:oMath xmlns:m="http://schemas.openxmlformats.org/officeDocument/2006/math">
+                    <m:sSub>
+                      <m:e>
+                        <m:r>
+                          <m:t>f</m:t>
+                        </m:r>
+                      </m:e>
+                      <m:sub>
+                        <m:r>
+                          <m:t>r</m:t>
+                        </m:r>
+                      </m:sub>
+                    </m:sSub>
+                    <m:r>
+                      <m:t>(</m:t>
+                    </m:r>
+                    <m:sSub>
+                      <m:e>
+                        <m:r>
+                          <m:t>ω</m:t>
+                        </m:r>
+                      </m:e>
+                      <m:sub>
+                        <m:r>
+                          <m:t>i</m:t>
+                        </m:r>
+                      </m:sub>
+                    </m:sSub>
+                    <m:r>
+                      <m:t>,</m:t>
+                    </m:r>
+                    <m:sSub>
+                      <m:e>
+                        <m:r>
+                          <m:t>ω</m:t>
+                        </m:r>
+                      </m:e>
+                      <m:sub>
+                        <m:r>
+                          <m:t>o</m:t>
+                        </m:r>
+                      </m:sub>
+                    </m:sSub>
+                    <m:r>
+                      <m:t>)</m:t>
+                    </m:r>
+                    <m:r>
+                      <m:t>=</m:t>
+                    </m:r>
+                    <m:f>
+                      <m:fPr>
+                        <m:type m:val="bar"/>
+                      </m:fPr>
+                      <m:num>
+                        <m:r>
+                          <m:rPr>
+                            <m:sty m:val="p"/>
+                          </m:rPr>
+                          <m:t>d</m:t>
+                        </m:r>
+                        <m:sSub>
+                          <m:e>
+                            <m:r>
+                              <m:t>L</m:t>
+                            </m:r>
+                          </m:e>
+                          <m:sub>
+                            <m:r>
+                              <m:t>o</m:t>
+                            </m:r>
+                          </m:sub>
+                        </m:sSub>
+                        <m:r>
+                          <m:t>(</m:t>
+                        </m:r>
+                        <m:sSub>
+                          <m:e>
+                            <m:r>
+                              <m:t>ω</m:t>
+                            </m:r>
+                          </m:e>
+                          <m:sub>
+                            <m:r>
+                              <m:t>o</m:t>
+                            </m:r>
+                          </m:sub>
+                        </m:sSub>
+                        <m:r>
+                          <m:t>)</m:t>
+                        </m:r>
+                      </m:num>
+                      <m:den>
+                        <m:r>
+                          <m:rPr>
+                            <m:sty m:val="p"/>
+                          </m:rPr>
+                          <m:t>d</m:t>
+                        </m:r>
+                        <m:sSub>
+                          <m:e>
+                            <m:r>
+                              <m:t>E</m:t>
+                            </m:r>
+                          </m:e>
+                          <m:sub>
+                            <m:r>
+                              <m:t>i</m:t>
+                            </m:r>
+                          </m:sub>
+                        </m:sSub>
+                        <m:r>
+                          <m:t>(</m:t>
+                        </m:r>
+                        <m:sSub>
+                          <m:e>
+                            <m:r>
+                              <m:t>ω</m:t>
+                            </m:r>
+                          </m:e>
+                          <m:sub>
+                            <m:r>
+                              <m:t>i</m:t>
+                            </m:r>
+                          </m:sub>
+                        </m:sSub>
+                        <m:r>
+                          <m:t>)</m:t>
+                        </m:r>
+                      </m:den>
+                    </m:f>
+                    <m:r>
+                      <m:t> </m:t>
+                    </m:r>
+                    <m:r>
+                      <m:t>=</m:t>
+                    </m:r>
+                    <m:r>
+                      <m:t> </m:t>
+                    </m:r>
+                    <m:f>
+                      <m:fPr>
+                        <m:type m:val="bar"/>
+                      </m:fPr>
+                      <m:num>
+                        <m:r>
+                          <m:rPr>
+                            <m:sty m:val="p"/>
+                          </m:rPr>
+                          <m:t>d</m:t>
+                        </m:r>
+                        <m:sSub>
+                          <m:e>
+                            <m:r>
+                              <m:t>L</m:t>
+                            </m:r>
+                          </m:e>
+                          <m:sub>
+                            <m:r>
+                              <m:t>o</m:t>
+                            </m:r>
+                          </m:sub>
+                        </m:sSub>
+                        <m:r>
+                          <m:t>(</m:t>
+                        </m:r>
+                        <m:sSub>
+                          <m:e>
+                            <m:r>
+                              <m:t>ω</m:t>
+                            </m:r>
+                          </m:e>
+                          <m:sub>
+                            <m:r>
+                              <m:t>o</m:t>
+                            </m:r>
+                          </m:sub>
+                        </m:sSub>
+                        <m:r>
+                          <m:t>)</m:t>
+                        </m:r>
+                      </m:num>
+                      <m:den>
+                        <m:sSub>
+                          <m:e>
+                            <m:r>
+                              <m:t>L</m:t>
+                            </m:r>
+                          </m:e>
+                          <m:sub>
+                            <m:r>
+                              <m:t>i</m:t>
+                            </m:r>
+                          </m:sub>
+                        </m:sSub>
+                        <m:r>
+                          <m:t>(</m:t>
+                        </m:r>
+                        <m:sSub>
+                          <m:e>
+                            <m:r>
+                              <m:t>ω</m:t>
+                            </m:r>
+                          </m:e>
+                          <m:sub>
+                            <m:r>
+                              <m:t>i</m:t>
+                            </m:r>
+                          </m:sub>
+                        </m:sSub>
+                        <m:r>
+                          <m:t>)</m:t>
+                        </m:r>
+                        <m:r>
+                          <m:rPr>
+                            <m:sty m:val="p"/>
+                          </m:rPr>
+                          <m:t>cos</m:t>
+                        </m:r>
+                        <m:sSub>
+                          <m:e>
+                            <m:r>
+                              <m:t>θ</m:t>
+                            </m:r>
+                          </m:e>
+                          <m:sub>
+                            <m:r>
+                              <m:t>i</m:t>
+                            </m:r>
+                          </m:sub>
+                        </m:sSub>
+                        <m:r>
+                          <m:t> </m:t>
+                        </m:r>
+                        <m:r>
+                          <m:rPr>
+                            <m:sty m:val="p"/>
+                          </m:rPr>
+                          <m:t>d</m:t>
+                        </m:r>
+                        <m:sSub>
+                          <m:e>
+                            <m:r>
+                              <m:t>ω</m:t>
+                            </m:r>
+                          </m:e>
+                          <m:sub>
+                            <m:r>
+                              <m:t>i</m:t>
+                            </m:r>
+                          </m:sub>
+                        </m:sSub>
+                      </m:den>
+                    </m:f>
+                  </m:oMath>
+                </a14:m>
+              </a:p>
+              <a:p>
+                <a:pPr lvl="1"/>
+                <a:r>
+                  <a:rPr/>
+                  <a:t>[Kajiya 1986]</a:t>
+                </a:r>
+              </a:p>
+              <a:p>
+                <a:pPr lvl="0" marL="0" indent="0">
+                  <a:buNone/>
+                </a:pPr>
+                <a14:m>
+                  <m:oMathPara xmlns:m="http://schemas.openxmlformats.org/officeDocument/2006/math">
+                    <m:oMathParaPr>
+                      <m:jc m:val="center"/>
+                    </m:oMathParaPr>
+                    <m:oMath>
+                      <m:sSub>
+                        <m:e>
+                          <m:r>
+                            <m:t>L</m:t>
+                          </m:r>
+                        </m:e>
+                        <m:sub>
+                          <m:r>
+                            <m:t>o</m:t>
+                          </m:r>
+                        </m:sub>
+                      </m:sSub>
+                      <m:r>
+                        <m:t>(</m:t>
+                      </m:r>
+                      <m:r>
+                        <m:rPr>
+                          <m:sty m:val="b"/>
+                        </m:rPr>
+                        <m:t>x</m:t>
+                      </m:r>
+                      <m:r>
+                        <m:t>→</m:t>
+                      </m:r>
+                      <m:sSub>
+                        <m:e>
+                          <m:r>
+                            <m:t>ω</m:t>
+                          </m:r>
+                        </m:e>
+                        <m:sub>
+                          <m:r>
+                            <m:t>o</m:t>
+                          </m:r>
+                        </m:sub>
+                      </m:sSub>
+                      <m:r>
+                        <m:t>)</m:t>
+                      </m:r>
+                      <m:r>
+                        <m:t>=</m:t>
+                      </m:r>
+                      <m:sSub>
+                        <m:e>
+                          <m:r>
+                            <m:t>L</m:t>
+                          </m:r>
+                        </m:e>
+                        <m:sub>
+                          <m:r>
+                            <m:t>e</m:t>
+                          </m:r>
+                        </m:sub>
+                      </m:sSub>
+                      <m:r>
+                        <m:t>(</m:t>
+                      </m:r>
+                      <m:r>
+                        <m:rPr>
+                          <m:sty m:val="b"/>
+                        </m:rPr>
+                        <m:t>x</m:t>
+                      </m:r>
+                      <m:r>
+                        <m:t>→</m:t>
+                      </m:r>
+                      <m:sSub>
+                        <m:e>
+                          <m:r>
+                            <m:t>ω</m:t>
+                          </m:r>
+                        </m:e>
+                        <m:sub>
+                          <m:r>
+                            <m:t>o</m:t>
+                          </m:r>
+                        </m:sub>
+                      </m:sSub>
+                      <m:r>
+                        <m:t>)</m:t>
+                      </m:r>
+                      <m:r>
+                        <m:t>+</m:t>
+                      </m:r>
+                      <m:nary>
+                        <m:naryPr>
+                          <m:chr m:val="∫"/>
+                          <m:limLoc m:val="subSup"/>
+                          <m:subHide m:val="0"/>
+                          <m:supHide m:val="1"/>
+                        </m:naryPr>
+                        <m:sub>
+                          <m:r>
+                            <m:t>Ω</m:t>
+                          </m:r>
+                        </m:sub>
+                        <m:sup>
+                          <m:r>
+                            <m:t>​</m:t>
+                          </m:r>
+                        </m:sup>
+                        <m:e>
+                          <m:sSub>
+                            <m:e>
+                              <m:r>
+                                <m:t>f</m:t>
+                              </m:r>
+                            </m:e>
+                            <m:sub>
+                              <m:r>
+                                <m:t>r</m:t>
+                              </m:r>
+                            </m:sub>
+                          </m:sSub>
+                        </m:e>
+                      </m:nary>
+                      <m:r>
+                        <m:t>(</m:t>
+                      </m:r>
+                      <m:sSub>
+                        <m:e>
+                          <m:r>
+                            <m:t>ω</m:t>
+                          </m:r>
+                        </m:e>
+                        <m:sub>
+                          <m:r>
+                            <m:t>i</m:t>
+                          </m:r>
+                        </m:sub>
+                      </m:sSub>
+                      <m:r>
+                        <m:t>,</m:t>
+                      </m:r>
+                      <m:sSub>
+                        <m:e>
+                          <m:r>
+                            <m:t>ω</m:t>
+                          </m:r>
+                        </m:e>
+                        <m:sub>
+                          <m:r>
+                            <m:t>o</m:t>
+                          </m:r>
+                        </m:sub>
+                      </m:sSub>
+                      <m:r>
+                        <m:t>)</m:t>
+                      </m:r>
+                      <m:r>
+                        <m:t> </m:t>
+                      </m:r>
+                      <m:sSub>
+                        <m:e>
+                          <m:r>
+                            <m:t>L</m:t>
+                          </m:r>
+                        </m:e>
+                        <m:sub>
+                          <m:r>
+                            <m:t>i</m:t>
+                          </m:r>
+                        </m:sub>
+                      </m:sSub>
+                      <m:r>
+                        <m:t>(</m:t>
+                      </m:r>
+                      <m:sSub>
+                        <m:e>
+                          <m:r>
+                            <m:t>ω</m:t>
+                          </m:r>
+                        </m:e>
+                        <m:sub>
+                          <m:r>
+                            <m:t>i</m:t>
+                          </m:r>
+                        </m:sub>
+                      </m:sSub>
+                      <m:r>
+                        <m:t>→</m:t>
+                      </m:r>
+                      <m:r>
+                        <m:rPr>
+                          <m:sty m:val="b"/>
+                        </m:rPr>
+                        <m:t>x</m:t>
+                      </m:r>
+                      <m:r>
+                        <m:t>)</m:t>
+                      </m:r>
+                      <m:r>
+                        <m:t> </m:t>
+                      </m:r>
+                      <m:r>
+                        <m:t>⟨</m:t>
+                      </m:r>
+                      <m:sSub>
+                        <m:e>
+                          <m:r>
+                            <m:t>ω</m:t>
+                          </m:r>
+                        </m:e>
+                        <m:sub>
+                          <m:r>
+                            <m:t>i</m:t>
+                          </m:r>
+                        </m:sub>
+                      </m:sSub>
+                      <m:r>
+                        <m:t>,</m:t>
+                      </m:r>
+                      <m:sSub>
+                        <m:e>
+                          <m:r>
+                            <m:t>ω</m:t>
+                          </m:r>
+                        </m:e>
+                        <m:sub>
+                          <m:r>
+                            <m:t>o</m:t>
+                          </m:r>
+                        </m:sub>
+                      </m:sSub>
+                      <m:r>
+                        <m:t>⟩</m:t>
+                      </m:r>
+                      <m:r>
+                        <m:t> </m:t>
+                      </m:r>
+                      <m:r>
+                        <m:t>d</m:t>
+                      </m:r>
+                      <m:sSub>
+                        <m:e>
+                          <m:r>
+                            <m:t>ω</m:t>
+                          </m:r>
+                        </m:e>
+                        <m:sub>
+                          <m:r>
+                            <m:t>i</m:t>
+                          </m:r>
+                        </m:sub>
+                      </m:sSub>
+                    </m:oMath>
+                  </m:oMathPara>
+                </a14:m>
+              </a:p>
+            </p:txBody>
+          </p:sp>
+        </mc:Choice>
+      </mc:AlternateContent>
+    </p:spTree>
+  </p:cSld>
+</p:sld>
+</file>
+
+<file path=ppt/slides/slide8.xml><?xml version="1.0" encoding="utf-8"?>
+<p:sld xmlns:a="http://schemas.openxmlformats.org/drawingml/2006/main" xmlns:r="http://schemas.openxmlformats.org/officeDocument/2006/relationships" xmlns:p="http://schemas.openxmlformats.org/presentationml/2006/main">
+  <p:cSld>
+    <p:spTree>
+      <p:nvGrpSpPr>
+        <p:cNvPr id="1" name=""/>
+        <p:cNvGrpSpPr/>
+        <p:nvPr/>
+      </p:nvGrpSpPr>
+      <p:grpSpPr>
+        <a:xfrm>
+          <a:off x="0" y="0"/>
+          <a:ext cx="0" cy="0"/>
+          <a:chOff x="0" y="0"/>
+          <a:chExt cx="0" cy="0"/>
+        </a:xfrm>
+      </p:grpSpPr>
+      <p:pic>
+        <p:nvPicPr>
+          <p:cNvPr descr="images/tikz_brdf_reference_frame.png" id="0" name="Picture 1"/>
+          <p:cNvPicPr>
+            <a:picLocks noGrp="1" noChangeAspect="1"/>
+          </p:cNvPicPr>
+          <p:nvPr/>
+        </p:nvPicPr>
+        <p:blipFill>
+          <a:blip r:embed="rId2"/>
+          <a:stretch>
+            <a:fillRect/>
+          </a:stretch>
+        </p:blipFill>
+        <p:spPr bwMode="auto">
+          <a:xfrm>
+            <a:off x="3975100" y="1816100"/>
+            <a:ext cx="4229100" cy="3835400"/>
+          </a:xfrm>
+          <a:prstGeom prst="rect">
+            <a:avLst/>
+          </a:prstGeom>
+          <a:noFill/>
+          <a:ln w="9525">
+            <a:noFill/>
+            <a:headEnd/>
+            <a:tailEnd/>
+          </a:ln>
+        </p:spPr>
+      </p:pic>
+      <p:sp>
+        <p:nvSpPr>
+          <p:cNvPr id="1" name="TextBox 3"/>
+          <p:cNvSpPr txBox="1"/>
+          <p:nvPr/>
+        </p:nvSpPr>
+        <p:spPr>
+          <a:xfrm>
+            <a:off x="838200" y="5651500"/>
+            <a:ext cx="10515600" cy="508000"/>
+          </a:xfrm>
+          <a:prstGeom prst="rect">
+            <a:avLst/>
+          </a:prstGeom>
+          <a:noFill/>
+        </p:spPr>
+        <p:txBody>
+          <a:bodyPr/>
+          <a:lstStyle/>
+          <a:p>
+            <a:pPr lvl="0" marL="0" indent="0" algn="ctr">
+              <a:buNone/>
+            </a:pPr>
+            <a:r>
+              <a:rPr/>
+              <a:t>Frame</a:t>
+            </a:r>
+            <a:r>
+              <a:rPr/>
+              <a:t> </a:t>
+            </a:r>
+            <a:r>
+              <a:rPr/>
+              <a:t>of</a:t>
+            </a:r>
+            <a:r>
+              <a:rPr/>
+              <a:t> </a:t>
+            </a:r>
+            <a:r>
+              <a:rPr/>
+              <a:t>Reference</a:t>
+            </a:r>
+          </a:p>
+        </p:txBody>
+      </p:sp>
+    </p:spTree>
+  </p:cSld>
+</p:sld>
+</file>
+
+<file path=ppt/slides/slide9.xml><?xml version="1.0" encoding="utf-8"?>
+<p:sld xmlns:a="http://schemas.openxmlformats.org/drawingml/2006/main" xmlns:r="http://schemas.openxmlformats.org/officeDocument/2006/relationships" xmlns:p="http://schemas.openxmlformats.org/presentationml/2006/main">
+  <p:cSld>
+    <p:spTree>
+      <p:nvGrpSpPr>
+        <p:cNvPr id="1" name=""/>
+        <p:cNvGrpSpPr/>
+        <p:nvPr/>
+      </p:nvGrpSpPr>
+      <p:grpSpPr>
+        <a:xfrm>
+          <a:off x="0" y="0"/>
+          <a:ext cx="0" cy="0"/>
+          <a:chOff x="0" y="0"/>
+          <a:chExt cx="0" cy="0"/>
+        </a:xfrm>
+      </p:grpSpPr>
+      <p:sp>
+        <p:nvSpPr>
+          <p:cNvPr id="2" name="Title 1">
+            <a:extLst>
+              <a:ext uri="{FF2B5EF4-FFF2-40B4-BE49-F238E27FC236}">
+                <a16:creationId xmlns:a16="http://schemas.microsoft.com/office/drawing/2014/main" id="{B9171DC7-83DC-4812-B6D6-720FD0903317}"/>
+              </a:ext>
+            </a:extLst>
+          </p:cNvPr>
+          <p:cNvSpPr>
+            <a:spLocks noGrp="1"/>
+          </p:cNvSpPr>
+          <p:nvPr>
+            <p:ph type="title"/>
+          </p:nvPr>
+        </p:nvSpPr>
+        <p:spPr/>
+        <p:txBody>
+          <a:bodyPr/>
+          <a:lstStyle/>
+          <a:p>
+            <a:pPr lvl="0" marL="0" indent="0">
+              <a:buNone/>
+            </a:pPr>
+            <a:r>
+              <a:rPr/>
+              <a:t>Paul</a:t>
+            </a:r>
+            <a:r>
+              <a:rPr/>
+              <a:t> </a:t>
+            </a:r>
+            <a:r>
+              <a:rPr/>
+              <a:t>Heckberts’</a:t>
+            </a:r>
+            <a:r>
+              <a:rPr/>
+              <a:t> </a:t>
+            </a:r>
+            <a:r>
+              <a:rPr/>
+              <a:t>Notation</a:t>
+            </a:r>
+          </a:p>
+        </p:txBody>
+      </p:sp>
+      <mc:AlternateContent xmlns:mc="http://schemas.openxmlformats.org/markup-compatibility/2006">
+        <mc:Choice xmlns:a14="http://schemas.microsoft.com/office/drawing/2010/main" Requires="a14">
+          <p:sp>
+            <p:nvSpPr>
+              <p:cNvPr id="3" name="Content Placeholder 2">
+                <a:extLst>
+                  <a:ext uri="{FF2B5EF4-FFF2-40B4-BE49-F238E27FC236}">
+                    <a16:creationId xmlns:a16="http://schemas.microsoft.com/office/drawing/2014/main" id="{E3951675-2757-4186-87D6-120677EA8D01}"/>
+                  </a:ext>
+                </a:extLst>
+              </p:cNvPr>
+              <p:cNvSpPr>
+                <a:spLocks noGrp="1"/>
+              </p:cNvSpPr>
+              <p:nvPr>
+                <p:ph idx="1"/>
+              </p:nvPr>
+            </p:nvSpPr>
+            <p:spPr/>
+            <p:txBody>
+              <a:bodyPr/>
+              <a:lstStyle/>
+              <a:p>
+                <a:pPr lvl="1"/>
+                <a14:m>
+                  <m:oMath xmlns:m="http://schemas.openxmlformats.org/officeDocument/2006/math">
+                    <m:r>
+                      <m:t>E</m:t>
+                    </m:r>
+                  </m:oMath>
+                </a14:m>
+                <a:r>
+                  <a:rPr/>
+                  <a:t> is eye</a:t>
+                </a:r>
+              </a:p>
+              <a:p>
+                <a:pPr lvl="1"/>
+                <a14:m>
+                  <m:oMath xmlns:m="http://schemas.openxmlformats.org/officeDocument/2006/math">
+                    <m:r>
+                      <m:t>L</m:t>
+                    </m:r>
+                  </m:oMath>
+                </a14:m>
+                <a:r>
+                  <a:rPr/>
+                  <a:t> is vector</a:t>
+                </a:r>
+              </a:p>
+              <a:p>
+                <a:pPr lvl="1"/>
+                <a14:m>
+                  <m:oMath xmlns:m="http://schemas.openxmlformats.org/officeDocument/2006/math">
+                    <m:r>
+                      <m:t>S</m:t>
+                    </m:r>
+                  </m:oMath>
+                </a14:m>
+                <a:r>
+                  <a:rPr/>
+                  <a:t> is specular interface</a:t>
+                </a:r>
+              </a:p>
+              <a:p>
+                <a:pPr lvl="1"/>
+                <a14:m>
+                  <m:oMath xmlns:m="http://schemas.openxmlformats.org/officeDocument/2006/math">
+                    <m:r>
+                      <m:t>D</m:t>
+                    </m:r>
+                  </m:oMath>
+                </a14:m>
+                <a:r>
+                  <a:rPr/>
+                  <a:t> is diffuse interface</a:t>
+                </a:r>
+              </a:p>
+              <a:p>
+                <a:pPr lvl="1"/>
+                <a14:m>
+                  <m:oMath xmlns:m="http://schemas.openxmlformats.org/officeDocument/2006/math">
+                    <m:r>
+                      <m:t>L</m:t>
+                    </m:r>
+                    <m:r>
+                      <m:t>S</m:t>
+                    </m:r>
+                    <m:r>
+                      <m:t>E</m:t>
+                    </m:r>
+                  </m:oMath>
+                </a14:m>
+                <a:r>
+                  <a:rPr/>
+                  <a:t> path is light-specular-eye path</a:t>
+                </a:r>
+              </a:p>
+              <a:p>
+                <a:pPr lvl="1"/>
+                <a14:m>
+                  <m:oMath xmlns:m="http://schemas.openxmlformats.org/officeDocument/2006/math">
+                    <m:r>
+                      <m:t>L</m:t>
+                    </m:r>
+                    <m:r>
+                      <m:t>{</m:t>
+                    </m:r>
+                    <m:r>
+                      <m:t>S</m:t>
+                    </m:r>
+                    <m:r>
+                      <m:t>D</m:t>
+                    </m:r>
+                    <m:r>
+                      <m:t>}</m:t>
+                    </m:r>
+                    <m:r>
+                      <m:t>E</m:t>
+                    </m:r>
+                  </m:oMath>
+                </a14:m>
+                <a:r>
+                  <a:rPr/>
+                  <a:t> path is light to a </a:t>
+                </a:r>
+                <a:r>
+                  <a:rPr i="1"/>
+                  <a:t>single</a:t>
+                </a:r>
+                <a:r>
+                  <a:rPr/>
+                  <a:t> specular/diffuse interface to eye</a:t>
+                </a:r>
+              </a:p>
+              <a:p>
+                <a:pPr lvl="1"/>
+                <a14:m>
+                  <m:oMath xmlns:m="http://schemas.openxmlformats.org/officeDocument/2006/math">
+                    <m:r>
+                      <m:t>L</m:t>
+                    </m:r>
+                    <m:r>
+                      <m:t>{</m:t>
+                    </m:r>
+                    <m:r>
+                      <m:t>S</m:t>
+                    </m:r>
+                    <m:r>
+                      <m:t>D</m:t>
+                    </m:r>
+                    <m:sSup>
+                      <m:e>
+                        <m:r>
+                          <m:t>}</m:t>
+                        </m:r>
+                      </m:e>
+                      <m:sup>
+                        <m:r>
+                          <m:t>+</m:t>
+                        </m:r>
+                      </m:sup>
+                    </m:sSup>
+                    <m:r>
+                      <m:t>E</m:t>
+                    </m:r>
+                  </m:oMath>
+                </a14:m>
+                <a:r>
+                  <a:rPr/>
+                  <a:t> path is light to </a:t>
+                </a:r>
+                <a:r>
+                  <a:rPr i="1"/>
+                  <a:t>several</a:t>
+                </a:r>
+                <a:r>
+                  <a:rPr/>
+                  <a:t> specular/diffuse interfaces to eye</a:t>
+                </a:r>
+              </a:p>
+            </p:txBody>
+          </p:sp>
+        </mc:Choice>
+      </mc:AlternateContent>
     </p:spTree>
   </p:cSld>
 </p:sld>
